--- a/第21组-XX项目需求分析答辩PPT.pptx
+++ b/第21组-XX项目需求分析答辩PPT.pptx
@@ -1,30 +1,30 @@
 
 <file path=ppt/presentation.xml><?xml version="1.0" encoding="utf-8"?>
-<p:presentation xmlns:a="http://schemas.openxmlformats.org/drawingml/2006/main" xmlns:r="http://schemas.openxmlformats.org/officeDocument/2006/relationships" xmlns:p="http://schemas.openxmlformats.org/presentationml/2006/main" saveSubsetFonts="1">
+<p:presentation xmlns:a="http://schemas.openxmlformats.org/drawingml/2006/main" xmlns:r="http://schemas.openxmlformats.org/officeDocument/2006/relationships" xmlns:p="http://schemas.openxmlformats.org/presentationml/2006/main">
   <p:sldMasterIdLst>
     <p:sldMasterId id="2147483648" r:id="rId1"/>
-    <p:sldMasterId id="2147483660" r:id="rId2"/>
+    <p:sldMasterId id="2147483660" r:id="rId3"/>
   </p:sldMasterIdLst>
   <p:sldIdLst>
-    <p:sldId id="256" r:id="rId3"/>
-    <p:sldId id="257" r:id="rId4"/>
-    <p:sldId id="258" r:id="rId5"/>
-    <p:sldId id="259" r:id="rId6"/>
-    <p:sldId id="264" r:id="rId7"/>
-    <p:sldId id="288" r:id="rId8"/>
-    <p:sldId id="266" r:id="rId9"/>
-    <p:sldId id="268" r:id="rId10"/>
-    <p:sldId id="289" r:id="rId11"/>
-    <p:sldId id="279" r:id="rId12"/>
-    <p:sldId id="269" r:id="rId13"/>
-    <p:sldId id="294" r:id="rId14"/>
-    <p:sldId id="295" r:id="rId15"/>
-    <p:sldId id="296" r:id="rId16"/>
-    <p:sldId id="290" r:id="rId17"/>
-    <p:sldId id="270" r:id="rId18"/>
-    <p:sldId id="292" r:id="rId19"/>
-    <p:sldId id="277" r:id="rId20"/>
-    <p:sldId id="286" r:id="rId21"/>
+    <p:sldId id="256" r:id="rId4"/>
+    <p:sldId id="257" r:id="rId5"/>
+    <p:sldId id="258" r:id="rId6"/>
+    <p:sldId id="259" r:id="rId7"/>
+    <p:sldId id="264" r:id="rId8"/>
+    <p:sldId id="288" r:id="rId9"/>
+    <p:sldId id="266" r:id="rId10"/>
+    <p:sldId id="268" r:id="rId11"/>
+    <p:sldId id="289" r:id="rId12"/>
+    <p:sldId id="279" r:id="rId13"/>
+    <p:sldId id="269" r:id="rId14"/>
+    <p:sldId id="294" r:id="rId15"/>
+    <p:sldId id="295" r:id="rId16"/>
+    <p:sldId id="296" r:id="rId17"/>
+    <p:sldId id="290" r:id="rId18"/>
+    <p:sldId id="270" r:id="rId19"/>
+    <p:sldId id="292" r:id="rId20"/>
+    <p:sldId id="277" r:id="rId21"/>
+    <p:sldId id="286" r:id="rId22"/>
   </p:sldIdLst>
   <p:sldSz cx="12192000" cy="6858000"/>
   <p:notesSz cx="6858000" cy="9144000"/>
@@ -123,22 +123,6 @@
       </a:defRPr>
     </a:lvl9pPr>
   </p:defaultTextStyle>
-  <p:extLst>
-    <p:ext uri="{EFAFB233-063F-42B5-8137-9DF3F51BA10A}">
-      <p15:sldGuideLst xmlns:p15="http://schemas.microsoft.com/office/powerpoint/2012/main">
-        <p15:guide id="1" orient="horz" pos="2160">
-          <p15:clr>
-            <a:srgbClr val="A4A3A4"/>
-          </p15:clr>
-        </p15:guide>
-        <p15:guide id="2" pos="3840">
-          <p15:clr>
-            <a:srgbClr val="A4A3A4"/>
-          </p15:clr>
-        </p15:guide>
-      </p15:sldGuideLst>
-    </p:ext>
-  </p:extLst>
 </p:presentation>
 </file>
 
@@ -161,13 +145,7 @@
       </p:grpSpPr>
       <p:sp>
         <p:nvSpPr>
-          <p:cNvPr id="2" name="矩形 1">
-            <a:extLst>
-              <a:ext uri="{FF2B5EF4-FFF2-40B4-BE49-F238E27FC236}">
-                <a16:creationId xmlns:a16="http://schemas.microsoft.com/office/drawing/2014/main" id="{B1CA3D81-5708-424B-BD81-179CD9DAACAA}"/>
-              </a:ext>
-            </a:extLst>
-          </p:cNvPr>
+          <p:cNvPr id="2" name="矩形 1"/>
           <p:cNvSpPr/>
           <p:nvPr userDrawn="1"/>
         </p:nvSpPr>
@@ -216,16 +194,8 @@
       </p:sp>
       <p:cxnSp>
         <p:nvCxnSpPr>
-          <p:cNvPr id="5" name="直接连接符 4">
-            <a:extLst>
-              <a:ext uri="{FF2B5EF4-FFF2-40B4-BE49-F238E27FC236}">
-                <a16:creationId xmlns:a16="http://schemas.microsoft.com/office/drawing/2014/main" id="{891B665F-FCC6-4EA3-BB27-3F2C43120DB5}"/>
-              </a:ext>
-            </a:extLst>
-          </p:cNvPr>
-          <p:cNvCxnSpPr>
-            <a:cxnSpLocks/>
-          </p:cNvCxnSpPr>
+          <p:cNvPr id="5" name="直接连接符 4"/>
+          <p:cNvCxnSpPr/>
           <p:nvPr userDrawn="1"/>
         </p:nvCxnSpPr>
         <p:spPr>
@@ -259,16 +229,8 @@
       </p:cxnSp>
       <p:cxnSp>
         <p:nvCxnSpPr>
-          <p:cNvPr id="6" name="直接连接符 5">
-            <a:extLst>
-              <a:ext uri="{FF2B5EF4-FFF2-40B4-BE49-F238E27FC236}">
-                <a16:creationId xmlns:a16="http://schemas.microsoft.com/office/drawing/2014/main" id="{0CD8D3A9-9004-4765-B261-B290CB1DA8E7}"/>
-              </a:ext>
-            </a:extLst>
-          </p:cNvPr>
-          <p:cNvCxnSpPr>
-            <a:cxnSpLocks/>
-          </p:cNvCxnSpPr>
+          <p:cNvPr id="6" name="直接连接符 5"/>
+          <p:cNvCxnSpPr/>
           <p:nvPr userDrawn="1"/>
         </p:nvCxnSpPr>
         <p:spPr>
@@ -302,16 +264,8 @@
       </p:cxnSp>
       <p:cxnSp>
         <p:nvCxnSpPr>
-          <p:cNvPr id="9" name="直接连接符 8">
-            <a:extLst>
-              <a:ext uri="{FF2B5EF4-FFF2-40B4-BE49-F238E27FC236}">
-                <a16:creationId xmlns:a16="http://schemas.microsoft.com/office/drawing/2014/main" id="{DAF5C898-EE54-45C3-806F-600C02D81B35}"/>
-              </a:ext>
-            </a:extLst>
-          </p:cNvPr>
-          <p:cNvCxnSpPr>
-            <a:cxnSpLocks/>
-          </p:cNvCxnSpPr>
+          <p:cNvPr id="9" name="直接连接符 8"/>
+          <p:cNvCxnSpPr/>
           <p:nvPr userDrawn="1"/>
         </p:nvCxnSpPr>
         <p:spPr>
@@ -345,16 +299,8 @@
       </p:cxnSp>
       <p:cxnSp>
         <p:nvCxnSpPr>
-          <p:cNvPr id="10" name="直接连接符 9">
-            <a:extLst>
-              <a:ext uri="{FF2B5EF4-FFF2-40B4-BE49-F238E27FC236}">
-                <a16:creationId xmlns:a16="http://schemas.microsoft.com/office/drawing/2014/main" id="{C807A15C-C5D4-4366-A642-F31EDADBAB38}"/>
-              </a:ext>
-            </a:extLst>
-          </p:cNvPr>
-          <p:cNvCxnSpPr>
-            <a:cxnSpLocks/>
-          </p:cNvCxnSpPr>
+          <p:cNvPr id="10" name="直接连接符 9"/>
+          <p:cNvCxnSpPr/>
           <p:nvPr userDrawn="1"/>
         </p:nvCxnSpPr>
         <p:spPr>
@@ -388,16 +334,8 @@
       </p:cxnSp>
       <p:cxnSp>
         <p:nvCxnSpPr>
-          <p:cNvPr id="11" name="直接连接符 10">
-            <a:extLst>
-              <a:ext uri="{FF2B5EF4-FFF2-40B4-BE49-F238E27FC236}">
-                <a16:creationId xmlns:a16="http://schemas.microsoft.com/office/drawing/2014/main" id="{AAB1E42F-C6C6-4A36-BAE7-4756F89F5D5E}"/>
-              </a:ext>
-            </a:extLst>
-          </p:cNvPr>
-          <p:cNvCxnSpPr>
-            <a:cxnSpLocks/>
-          </p:cNvCxnSpPr>
+          <p:cNvPr id="11" name="直接连接符 10"/>
+          <p:cNvCxnSpPr/>
           <p:nvPr userDrawn="1"/>
         </p:nvCxnSpPr>
         <p:spPr>
@@ -431,16 +369,8 @@
       </p:cxnSp>
       <p:cxnSp>
         <p:nvCxnSpPr>
-          <p:cNvPr id="12" name="直接连接符 11">
-            <a:extLst>
-              <a:ext uri="{FF2B5EF4-FFF2-40B4-BE49-F238E27FC236}">
-                <a16:creationId xmlns:a16="http://schemas.microsoft.com/office/drawing/2014/main" id="{4EE319D1-4D0C-4975-9B2C-A4F28D834A23}"/>
-              </a:ext>
-            </a:extLst>
-          </p:cNvPr>
-          <p:cNvCxnSpPr>
-            <a:cxnSpLocks/>
-          </p:cNvCxnSpPr>
+          <p:cNvPr id="12" name="直接连接符 11"/>
+          <p:cNvCxnSpPr/>
           <p:nvPr userDrawn="1"/>
         </p:nvCxnSpPr>
         <p:spPr>
@@ -473,22 +403,17 @@
         </p:style>
       </p:cxnSp>
     </p:spTree>
-    <p:extLst>
-      <p:ext uri="{BB962C8B-B14F-4D97-AF65-F5344CB8AC3E}">
-        <p14:creationId xmlns:p14="http://schemas.microsoft.com/office/powerpoint/2010/main" val="151859398"/>
-      </p:ext>
-    </p:extLst>
   </p:cSld>
   <p:clrMapOvr>
     <a:masterClrMapping/>
   </p:clrMapOvr>
-  <mc:AlternateContent xmlns:mc="http://schemas.openxmlformats.org/markup-compatibility/2006" xmlns:p14="http://schemas.microsoft.com/office/powerpoint/2010/main">
-    <mc:Choice Requires="p14">
+  <mc:AlternateContent xmlns:mc="http://schemas.openxmlformats.org/markup-compatibility/2006">
+    <mc:Choice xmlns:p14="http://schemas.microsoft.com/office/powerpoint/2010/main" Requires="p14">
       <p:transition spd="slow" p14:dur="1500" advTm="0">
         <p:random/>
       </p:transition>
     </mc:Choice>
-    <mc:Fallback xmlns="">
+    <mc:Fallback>
       <p:transition spd="slow" advTm="0">
         <p:random/>
       </p:transition>
@@ -516,13 +441,7 @@
       </p:grpSpPr>
       <p:sp>
         <p:nvSpPr>
-          <p:cNvPr id="2" name="标题 1">
-            <a:extLst>
-              <a:ext uri="{FF2B5EF4-FFF2-40B4-BE49-F238E27FC236}">
-                <a16:creationId xmlns:a16="http://schemas.microsoft.com/office/drawing/2014/main" id="{C1CDE6E2-5284-4ED5-8EEC-11112602E19E}"/>
-              </a:ext>
-            </a:extLst>
-          </p:cNvPr>
+          <p:cNvPr id="2" name="标题 1"/>
           <p:cNvSpPr>
             <a:spLocks noGrp="1"/>
           </p:cNvSpPr>
@@ -539,23 +458,18 @@
               <a:rPr lang="zh-CN" altLang="en-US"/>
               <a:t>单击此处编辑母版标题样式</a:t>
             </a:r>
-          </a:p>
-        </p:txBody>
-      </p:sp>
-      <p:sp>
-        <p:nvSpPr>
-          <p:cNvPr id="3" name="竖排文字占位符 2">
-            <a:extLst>
-              <a:ext uri="{FF2B5EF4-FFF2-40B4-BE49-F238E27FC236}">
-                <a16:creationId xmlns:a16="http://schemas.microsoft.com/office/drawing/2014/main" id="{2ED2DCFE-1775-4E50-964B-EAE3C50C737F}"/>
-              </a:ext>
-            </a:extLst>
-          </p:cNvPr>
+            <a:endParaRPr lang="zh-CN" altLang="en-US"/>
+          </a:p>
+        </p:txBody>
+      </p:sp>
+      <p:sp>
+        <p:nvSpPr>
+          <p:cNvPr id="3" name="竖排文字占位符 2"/>
           <p:cNvSpPr>
             <a:spLocks noGrp="1"/>
           </p:cNvSpPr>
           <p:nvPr>
-            <p:ph type="body" orient="vert" idx="1"/>
+            <p:ph type="body" orient="vert" idx="1" hasCustomPrompt="1"/>
           </p:nvPr>
         </p:nvSpPr>
         <p:spPr/>
@@ -568,6 +482,7 @@
               <a:rPr lang="zh-CN" altLang="en-US"/>
               <a:t>编辑母版文本样式</a:t>
             </a:r>
+            <a:endParaRPr lang="zh-CN" altLang="en-US"/>
           </a:p>
           <a:p>
             <a:pPr lvl="1"/>
@@ -575,6 +490,7 @@
               <a:rPr lang="zh-CN" altLang="en-US"/>
               <a:t>第二级</a:t>
             </a:r>
+            <a:endParaRPr lang="zh-CN" altLang="en-US"/>
           </a:p>
           <a:p>
             <a:pPr lvl="2"/>
@@ -582,6 +498,7 @@
               <a:rPr lang="zh-CN" altLang="en-US"/>
               <a:t>第三级</a:t>
             </a:r>
+            <a:endParaRPr lang="zh-CN" altLang="en-US"/>
           </a:p>
           <a:p>
             <a:pPr lvl="3"/>
@@ -589,6 +506,7 @@
               <a:rPr lang="zh-CN" altLang="en-US"/>
               <a:t>第四级</a:t>
             </a:r>
+            <a:endParaRPr lang="zh-CN" altLang="en-US"/>
           </a:p>
           <a:p>
             <a:pPr lvl="4"/>
@@ -596,18 +514,13 @@
               <a:rPr lang="zh-CN" altLang="en-US"/>
               <a:t>第五级</a:t>
             </a:r>
-          </a:p>
-        </p:txBody>
-      </p:sp>
-      <p:sp>
-        <p:nvSpPr>
-          <p:cNvPr id="4" name="日期占位符 3">
-            <a:extLst>
-              <a:ext uri="{FF2B5EF4-FFF2-40B4-BE49-F238E27FC236}">
-                <a16:creationId xmlns:a16="http://schemas.microsoft.com/office/drawing/2014/main" id="{4DA5D84E-5ED8-4ECE-89F2-FDFAB4764BC6}"/>
-              </a:ext>
-            </a:extLst>
-          </p:cNvPr>
+            <a:endParaRPr lang="zh-CN" altLang="en-US"/>
+          </a:p>
+        </p:txBody>
+      </p:sp>
+      <p:sp>
+        <p:nvSpPr>
+          <p:cNvPr id="4" name="日期占位符 3"/>
           <p:cNvSpPr>
             <a:spLocks noGrp="1"/>
           </p:cNvSpPr>
@@ -622,7 +535,6 @@
           <a:p>
             <a:fld id="{2CE7B598-0A54-44D8-A998-C82D12D838CD}" type="datetimeFigureOut">
               <a:rPr lang="zh-CN" altLang="en-US" smtClean="0"/>
-              <a:t>2021/4/18</a:t>
             </a:fld>
             <a:endParaRPr lang="zh-CN" altLang="en-US"/>
           </a:p>
@@ -630,13 +542,7 @@
       </p:sp>
       <p:sp>
         <p:nvSpPr>
-          <p:cNvPr id="5" name="页脚占位符 4">
-            <a:extLst>
-              <a:ext uri="{FF2B5EF4-FFF2-40B4-BE49-F238E27FC236}">
-                <a16:creationId xmlns:a16="http://schemas.microsoft.com/office/drawing/2014/main" id="{93F1B797-0CA6-4870-B366-88BA72A8D1DB}"/>
-              </a:ext>
-            </a:extLst>
-          </p:cNvPr>
+          <p:cNvPr id="5" name="页脚占位符 4"/>
           <p:cNvSpPr>
             <a:spLocks noGrp="1"/>
           </p:cNvSpPr>
@@ -655,13 +561,7 @@
       </p:sp>
       <p:sp>
         <p:nvSpPr>
-          <p:cNvPr id="6" name="灯片编号占位符 5">
-            <a:extLst>
-              <a:ext uri="{FF2B5EF4-FFF2-40B4-BE49-F238E27FC236}">
-                <a16:creationId xmlns:a16="http://schemas.microsoft.com/office/drawing/2014/main" id="{634A5D42-104C-4AFF-A6DB-6774120CB2CF}"/>
-              </a:ext>
-            </a:extLst>
-          </p:cNvPr>
+          <p:cNvPr id="6" name="灯片编号占位符 5"/>
           <p:cNvSpPr>
             <a:spLocks noGrp="1"/>
           </p:cNvSpPr>
@@ -676,29 +576,23 @@
           <a:p>
             <a:fld id="{195DF8BB-3426-49E0-9D36-69DE378B8EB3}" type="slidenum">
               <a:rPr lang="zh-CN" altLang="en-US" smtClean="0"/>
-              <a:t>‹#›</a:t>
             </a:fld>
             <a:endParaRPr lang="zh-CN" altLang="en-US"/>
           </a:p>
         </p:txBody>
       </p:sp>
     </p:spTree>
-    <p:extLst>
-      <p:ext uri="{BB962C8B-B14F-4D97-AF65-F5344CB8AC3E}">
-        <p14:creationId xmlns:p14="http://schemas.microsoft.com/office/powerpoint/2010/main" val="740030807"/>
-      </p:ext>
-    </p:extLst>
   </p:cSld>
   <p:clrMapOvr>
     <a:masterClrMapping/>
   </p:clrMapOvr>
-  <mc:AlternateContent xmlns:mc="http://schemas.openxmlformats.org/markup-compatibility/2006" xmlns:p14="http://schemas.microsoft.com/office/powerpoint/2010/main">
-    <mc:Choice Requires="p14">
+  <mc:AlternateContent xmlns:mc="http://schemas.openxmlformats.org/markup-compatibility/2006">
+    <mc:Choice xmlns:p14="http://schemas.microsoft.com/office/powerpoint/2010/main" Requires="p14">
       <p:transition spd="slow" p14:dur="1500" advTm="0">
         <p:random/>
       </p:transition>
     </mc:Choice>
-    <mc:Fallback xmlns="">
+    <mc:Fallback>
       <p:transition spd="slow" advTm="0">
         <p:random/>
       </p:transition>
@@ -726,13 +620,7 @@
       </p:grpSpPr>
       <p:sp>
         <p:nvSpPr>
-          <p:cNvPr id="2" name="竖排标题 1">
-            <a:extLst>
-              <a:ext uri="{FF2B5EF4-FFF2-40B4-BE49-F238E27FC236}">
-                <a16:creationId xmlns:a16="http://schemas.microsoft.com/office/drawing/2014/main" id="{95B0A450-5AF9-40CB-998F-68FEE335BAAD}"/>
-              </a:ext>
-            </a:extLst>
-          </p:cNvPr>
+          <p:cNvPr id="2" name="竖排标题 1"/>
           <p:cNvSpPr>
             <a:spLocks noGrp="1"/>
           </p:cNvSpPr>
@@ -754,23 +642,18 @@
               <a:rPr lang="zh-CN" altLang="en-US"/>
               <a:t>单击此处编辑母版标题样式</a:t>
             </a:r>
-          </a:p>
-        </p:txBody>
-      </p:sp>
-      <p:sp>
-        <p:nvSpPr>
-          <p:cNvPr id="3" name="竖排文字占位符 2">
-            <a:extLst>
-              <a:ext uri="{FF2B5EF4-FFF2-40B4-BE49-F238E27FC236}">
-                <a16:creationId xmlns:a16="http://schemas.microsoft.com/office/drawing/2014/main" id="{3B344ABB-BC69-4179-9161-8A928B3553F7}"/>
-              </a:ext>
-            </a:extLst>
-          </p:cNvPr>
+            <a:endParaRPr lang="zh-CN" altLang="en-US"/>
+          </a:p>
+        </p:txBody>
+      </p:sp>
+      <p:sp>
+        <p:nvSpPr>
+          <p:cNvPr id="3" name="竖排文字占位符 2"/>
           <p:cNvSpPr>
             <a:spLocks noGrp="1"/>
           </p:cNvSpPr>
           <p:nvPr>
-            <p:ph type="body" orient="vert" idx="1"/>
+            <p:ph type="body" orient="vert" idx="1" hasCustomPrompt="1"/>
           </p:nvPr>
         </p:nvSpPr>
         <p:spPr>
@@ -788,6 +671,7 @@
               <a:rPr lang="zh-CN" altLang="en-US"/>
               <a:t>编辑母版文本样式</a:t>
             </a:r>
+            <a:endParaRPr lang="zh-CN" altLang="en-US"/>
           </a:p>
           <a:p>
             <a:pPr lvl="1"/>
@@ -795,6 +679,7 @@
               <a:rPr lang="zh-CN" altLang="en-US"/>
               <a:t>第二级</a:t>
             </a:r>
+            <a:endParaRPr lang="zh-CN" altLang="en-US"/>
           </a:p>
           <a:p>
             <a:pPr lvl="2"/>
@@ -802,6 +687,7 @@
               <a:rPr lang="zh-CN" altLang="en-US"/>
               <a:t>第三级</a:t>
             </a:r>
+            <a:endParaRPr lang="zh-CN" altLang="en-US"/>
           </a:p>
           <a:p>
             <a:pPr lvl="3"/>
@@ -809,6 +695,7 @@
               <a:rPr lang="zh-CN" altLang="en-US"/>
               <a:t>第四级</a:t>
             </a:r>
+            <a:endParaRPr lang="zh-CN" altLang="en-US"/>
           </a:p>
           <a:p>
             <a:pPr lvl="4"/>
@@ -816,18 +703,13 @@
               <a:rPr lang="zh-CN" altLang="en-US"/>
               <a:t>第五级</a:t>
             </a:r>
-          </a:p>
-        </p:txBody>
-      </p:sp>
-      <p:sp>
-        <p:nvSpPr>
-          <p:cNvPr id="4" name="日期占位符 3">
-            <a:extLst>
-              <a:ext uri="{FF2B5EF4-FFF2-40B4-BE49-F238E27FC236}">
-                <a16:creationId xmlns:a16="http://schemas.microsoft.com/office/drawing/2014/main" id="{38E620D3-18ED-4DF9-A100-AE9707E277C7}"/>
-              </a:ext>
-            </a:extLst>
-          </p:cNvPr>
+            <a:endParaRPr lang="zh-CN" altLang="en-US"/>
+          </a:p>
+        </p:txBody>
+      </p:sp>
+      <p:sp>
+        <p:nvSpPr>
+          <p:cNvPr id="4" name="日期占位符 3"/>
           <p:cNvSpPr>
             <a:spLocks noGrp="1"/>
           </p:cNvSpPr>
@@ -842,7 +724,6 @@
           <a:p>
             <a:fld id="{2CE7B598-0A54-44D8-A998-C82D12D838CD}" type="datetimeFigureOut">
               <a:rPr lang="zh-CN" altLang="en-US" smtClean="0"/>
-              <a:t>2021/4/18</a:t>
             </a:fld>
             <a:endParaRPr lang="zh-CN" altLang="en-US"/>
           </a:p>
@@ -850,13 +731,7 @@
       </p:sp>
       <p:sp>
         <p:nvSpPr>
-          <p:cNvPr id="5" name="页脚占位符 4">
-            <a:extLst>
-              <a:ext uri="{FF2B5EF4-FFF2-40B4-BE49-F238E27FC236}">
-                <a16:creationId xmlns:a16="http://schemas.microsoft.com/office/drawing/2014/main" id="{89A195BF-3596-4E0C-948D-3EF3A66E28D7}"/>
-              </a:ext>
-            </a:extLst>
-          </p:cNvPr>
+          <p:cNvPr id="5" name="页脚占位符 4"/>
           <p:cNvSpPr>
             <a:spLocks noGrp="1"/>
           </p:cNvSpPr>
@@ -875,13 +750,7 @@
       </p:sp>
       <p:sp>
         <p:nvSpPr>
-          <p:cNvPr id="6" name="灯片编号占位符 5">
-            <a:extLst>
-              <a:ext uri="{FF2B5EF4-FFF2-40B4-BE49-F238E27FC236}">
-                <a16:creationId xmlns:a16="http://schemas.microsoft.com/office/drawing/2014/main" id="{EB48EB7B-C84F-46CD-94E1-8CB8DF2F2A19}"/>
-              </a:ext>
-            </a:extLst>
-          </p:cNvPr>
+          <p:cNvPr id="6" name="灯片编号占位符 5"/>
           <p:cNvSpPr>
             <a:spLocks noGrp="1"/>
           </p:cNvSpPr>
@@ -896,29 +765,23 @@
           <a:p>
             <a:fld id="{195DF8BB-3426-49E0-9D36-69DE378B8EB3}" type="slidenum">
               <a:rPr lang="zh-CN" altLang="en-US" smtClean="0"/>
-              <a:t>‹#›</a:t>
             </a:fld>
             <a:endParaRPr lang="zh-CN" altLang="en-US"/>
           </a:p>
         </p:txBody>
       </p:sp>
     </p:spTree>
-    <p:extLst>
-      <p:ext uri="{BB962C8B-B14F-4D97-AF65-F5344CB8AC3E}">
-        <p14:creationId xmlns:p14="http://schemas.microsoft.com/office/powerpoint/2010/main" val="492484273"/>
-      </p:ext>
-    </p:extLst>
   </p:cSld>
   <p:clrMapOvr>
     <a:masterClrMapping/>
   </p:clrMapOvr>
-  <mc:AlternateContent xmlns:mc="http://schemas.openxmlformats.org/markup-compatibility/2006" xmlns:p14="http://schemas.microsoft.com/office/powerpoint/2010/main">
-    <mc:Choice Requires="p14">
+  <mc:AlternateContent xmlns:mc="http://schemas.openxmlformats.org/markup-compatibility/2006">
+    <mc:Choice xmlns:p14="http://schemas.microsoft.com/office/powerpoint/2010/main" Requires="p14">
       <p:transition spd="slow" p14:dur="1500" advTm="0">
         <p:random/>
       </p:transition>
     </mc:Choice>
-    <mc:Fallback xmlns="">
+    <mc:Fallback>
       <p:transition spd="slow" advTm="0">
         <p:random/>
       </p:transition>
@@ -971,6 +834,7 @@
               <a:rPr lang="zh-CN" altLang="en-US"/>
               <a:t>单击此处编辑母版标题样式</a:t>
             </a:r>
+            <a:endParaRPr lang="zh-CN" altLang="en-US"/>
           </a:p>
         </p:txBody>
       </p:sp>
@@ -1002,6 +866,7 @@
               <a:rPr lang="zh-CN" altLang="en-US"/>
               <a:t>单击此处编辑母版文本样式</a:t>
             </a:r>
+            <a:endParaRPr lang="zh-CN" altLang="en-US"/>
           </a:p>
           <a:p>
             <a:pPr lvl="1"/>
@@ -1009,6 +874,7 @@
               <a:rPr lang="zh-CN" altLang="en-US"/>
               <a:t>第二级</a:t>
             </a:r>
+            <a:endParaRPr lang="zh-CN" altLang="en-US"/>
           </a:p>
           <a:p>
             <a:pPr lvl="2"/>
@@ -1016,6 +882,7 @@
               <a:rPr lang="zh-CN" altLang="en-US"/>
               <a:t>第三级</a:t>
             </a:r>
+            <a:endParaRPr lang="zh-CN" altLang="en-US"/>
           </a:p>
           <a:p>
             <a:pPr lvl="3"/>
@@ -1023,6 +890,7 @@
               <a:rPr lang="zh-CN" altLang="en-US"/>
               <a:t>第四级</a:t>
             </a:r>
+            <a:endParaRPr lang="zh-CN" altLang="en-US"/>
           </a:p>
           <a:p>
             <a:pPr lvl="4"/>
@@ -1030,6 +898,7 @@
               <a:rPr lang="zh-CN" altLang="en-US"/>
               <a:t>第五级</a:t>
             </a:r>
+            <a:endParaRPr lang="zh-CN" altLang="en-US"/>
           </a:p>
         </p:txBody>
       </p:sp>
@@ -1062,8 +931,6 @@
                   <a:prstClr val="black"/>
                 </a:solidFill>
               </a:rPr>
-              <a:pPr/>
-              <a:t>2021/4/18</a:t>
             </a:fld>
             <a:endParaRPr lang="zh-CN" altLang="en-US">
               <a:solidFill>
@@ -1133,8 +1000,6 @@
                   <a:prstClr val="black"/>
                 </a:solidFill>
               </a:rPr>
-              <a:pPr/>
-              <a:t>‹#›</a:t>
             </a:fld>
             <a:endParaRPr lang="zh-CN" altLang="en-US">
               <a:solidFill>
@@ -1145,11 +1010,6 @@
         </p:txBody>
       </p:sp>
     </p:spTree>
-    <p:extLst>
-      <p:ext uri="{BB962C8B-B14F-4D97-AF65-F5344CB8AC3E}">
-        <p14:creationId xmlns:p14="http://schemas.microsoft.com/office/powerpoint/2010/main" val="551398430"/>
-      </p:ext>
-    </p:extLst>
   </p:cSld>
   <p:clrMapOvr>
     <a:masterClrMapping/>
@@ -1201,6 +1061,7 @@
               <a:rPr lang="zh-CN" altLang="en-US"/>
               <a:t>单击此处编辑母版标题样式</a:t>
             </a:r>
+            <a:endParaRPr lang="zh-CN" altLang="en-US"/>
           </a:p>
         </p:txBody>
       </p:sp>
@@ -1232,6 +1093,7 @@
               <a:rPr lang="zh-CN" altLang="en-US"/>
               <a:t>单击此处编辑母版文本样式</a:t>
             </a:r>
+            <a:endParaRPr lang="zh-CN" altLang="en-US"/>
           </a:p>
           <a:p>
             <a:pPr lvl="1"/>
@@ -1239,6 +1101,7 @@
               <a:rPr lang="zh-CN" altLang="en-US"/>
               <a:t>第二级</a:t>
             </a:r>
+            <a:endParaRPr lang="zh-CN" altLang="en-US"/>
           </a:p>
           <a:p>
             <a:pPr lvl="2"/>
@@ -1246,6 +1109,7 @@
               <a:rPr lang="zh-CN" altLang="en-US"/>
               <a:t>第三级</a:t>
             </a:r>
+            <a:endParaRPr lang="zh-CN" altLang="en-US"/>
           </a:p>
           <a:p>
             <a:pPr lvl="3"/>
@@ -1253,6 +1117,7 @@
               <a:rPr lang="zh-CN" altLang="en-US"/>
               <a:t>第四级</a:t>
             </a:r>
+            <a:endParaRPr lang="zh-CN" altLang="en-US"/>
           </a:p>
           <a:p>
             <a:pPr lvl="4"/>
@@ -1260,6 +1125,7 @@
               <a:rPr lang="zh-CN" altLang="en-US"/>
               <a:t>第五级</a:t>
             </a:r>
+            <a:endParaRPr lang="zh-CN" altLang="en-US"/>
           </a:p>
         </p:txBody>
       </p:sp>
@@ -1292,8 +1158,6 @@
                   <a:prstClr val="black"/>
                 </a:solidFill>
               </a:rPr>
-              <a:pPr/>
-              <a:t>2021/4/18</a:t>
             </a:fld>
             <a:endParaRPr lang="zh-CN" altLang="en-US">
               <a:solidFill>
@@ -1363,8 +1227,6 @@
                   <a:prstClr val="black"/>
                 </a:solidFill>
               </a:rPr>
-              <a:pPr/>
-              <a:t>‹#›</a:t>
             </a:fld>
             <a:endParaRPr lang="zh-CN" altLang="en-US">
               <a:solidFill>
@@ -1375,11 +1237,6 @@
         </p:txBody>
       </p:sp>
     </p:spTree>
-    <p:extLst>
-      <p:ext uri="{BB962C8B-B14F-4D97-AF65-F5344CB8AC3E}">
-        <p14:creationId xmlns:p14="http://schemas.microsoft.com/office/powerpoint/2010/main" val="2787316484"/>
-      </p:ext>
-    </p:extLst>
   </p:cSld>
   <p:clrMapOvr>
     <a:masterClrMapping/>
@@ -1405,11 +1262,6 @@
         </a:xfrm>
       </p:grpSpPr>
     </p:spTree>
-    <p:extLst>
-      <p:ext uri="{BB962C8B-B14F-4D97-AF65-F5344CB8AC3E}">
-        <p14:creationId xmlns:p14="http://schemas.microsoft.com/office/powerpoint/2010/main" val="698686151"/>
-      </p:ext>
-    </p:extLst>
   </p:cSld>
   <p:clrMapOvr>
     <a:masterClrMapping/>
@@ -1436,13 +1288,7 @@
       </p:grpSpPr>
       <p:sp>
         <p:nvSpPr>
-          <p:cNvPr id="2" name="标题 1">
-            <a:extLst>
-              <a:ext uri="{FF2B5EF4-FFF2-40B4-BE49-F238E27FC236}">
-                <a16:creationId xmlns:a16="http://schemas.microsoft.com/office/drawing/2014/main" id="{7F92302D-0150-49F9-AD32-3C673CC4943B}"/>
-              </a:ext>
-            </a:extLst>
-          </p:cNvPr>
+          <p:cNvPr id="2" name="标题 1"/>
           <p:cNvSpPr>
             <a:spLocks noGrp="1"/>
           </p:cNvSpPr>
@@ -1459,23 +1305,18 @@
               <a:rPr lang="zh-CN" altLang="en-US"/>
               <a:t>单击此处编辑母版标题样式</a:t>
             </a:r>
-          </a:p>
-        </p:txBody>
-      </p:sp>
-      <p:sp>
-        <p:nvSpPr>
-          <p:cNvPr id="3" name="内容占位符 2">
-            <a:extLst>
-              <a:ext uri="{FF2B5EF4-FFF2-40B4-BE49-F238E27FC236}">
-                <a16:creationId xmlns:a16="http://schemas.microsoft.com/office/drawing/2014/main" id="{CC495D86-B8DE-4E05-B9DA-FC9FE762D281}"/>
-              </a:ext>
-            </a:extLst>
-          </p:cNvPr>
+            <a:endParaRPr lang="zh-CN" altLang="en-US"/>
+          </a:p>
+        </p:txBody>
+      </p:sp>
+      <p:sp>
+        <p:nvSpPr>
+          <p:cNvPr id="3" name="内容占位符 2"/>
           <p:cNvSpPr>
             <a:spLocks noGrp="1"/>
           </p:cNvSpPr>
           <p:nvPr>
-            <p:ph idx="1"/>
+            <p:ph idx="1" hasCustomPrompt="1"/>
           </p:nvPr>
         </p:nvSpPr>
         <p:spPr/>
@@ -1488,6 +1329,7 @@
               <a:rPr lang="zh-CN" altLang="en-US"/>
               <a:t>编辑母版文本样式</a:t>
             </a:r>
+            <a:endParaRPr lang="zh-CN" altLang="en-US"/>
           </a:p>
           <a:p>
             <a:pPr lvl="1"/>
@@ -1495,6 +1337,7 @@
               <a:rPr lang="zh-CN" altLang="en-US"/>
               <a:t>第二级</a:t>
             </a:r>
+            <a:endParaRPr lang="zh-CN" altLang="en-US"/>
           </a:p>
           <a:p>
             <a:pPr lvl="2"/>
@@ -1502,6 +1345,7 @@
               <a:rPr lang="zh-CN" altLang="en-US"/>
               <a:t>第三级</a:t>
             </a:r>
+            <a:endParaRPr lang="zh-CN" altLang="en-US"/>
           </a:p>
           <a:p>
             <a:pPr lvl="3"/>
@@ -1509,6 +1353,7 @@
               <a:rPr lang="zh-CN" altLang="en-US"/>
               <a:t>第四级</a:t>
             </a:r>
+            <a:endParaRPr lang="zh-CN" altLang="en-US"/>
           </a:p>
           <a:p>
             <a:pPr lvl="4"/>
@@ -1516,18 +1361,13 @@
               <a:rPr lang="zh-CN" altLang="en-US"/>
               <a:t>第五级</a:t>
             </a:r>
-          </a:p>
-        </p:txBody>
-      </p:sp>
-      <p:sp>
-        <p:nvSpPr>
-          <p:cNvPr id="4" name="日期占位符 3">
-            <a:extLst>
-              <a:ext uri="{FF2B5EF4-FFF2-40B4-BE49-F238E27FC236}">
-                <a16:creationId xmlns:a16="http://schemas.microsoft.com/office/drawing/2014/main" id="{11FB239C-EA14-4454-8A29-E262A7F6CA76}"/>
-              </a:ext>
-            </a:extLst>
-          </p:cNvPr>
+            <a:endParaRPr lang="zh-CN" altLang="en-US"/>
+          </a:p>
+        </p:txBody>
+      </p:sp>
+      <p:sp>
+        <p:nvSpPr>
+          <p:cNvPr id="4" name="日期占位符 3"/>
           <p:cNvSpPr>
             <a:spLocks noGrp="1"/>
           </p:cNvSpPr>
@@ -1542,7 +1382,6 @@
           <a:p>
             <a:fld id="{2CE7B598-0A54-44D8-A998-C82D12D838CD}" type="datetimeFigureOut">
               <a:rPr lang="zh-CN" altLang="en-US" smtClean="0"/>
-              <a:t>2021/4/18</a:t>
             </a:fld>
             <a:endParaRPr lang="zh-CN" altLang="en-US"/>
           </a:p>
@@ -1550,13 +1389,7 @@
       </p:sp>
       <p:sp>
         <p:nvSpPr>
-          <p:cNvPr id="5" name="页脚占位符 4">
-            <a:extLst>
-              <a:ext uri="{FF2B5EF4-FFF2-40B4-BE49-F238E27FC236}">
-                <a16:creationId xmlns:a16="http://schemas.microsoft.com/office/drawing/2014/main" id="{7C094398-E579-42E6-9BA8-1B00CF2516AA}"/>
-              </a:ext>
-            </a:extLst>
-          </p:cNvPr>
+          <p:cNvPr id="5" name="页脚占位符 4"/>
           <p:cNvSpPr>
             <a:spLocks noGrp="1"/>
           </p:cNvSpPr>
@@ -1575,13 +1408,7 @@
       </p:sp>
       <p:sp>
         <p:nvSpPr>
-          <p:cNvPr id="6" name="灯片编号占位符 5">
-            <a:extLst>
-              <a:ext uri="{FF2B5EF4-FFF2-40B4-BE49-F238E27FC236}">
-                <a16:creationId xmlns:a16="http://schemas.microsoft.com/office/drawing/2014/main" id="{E3E9CE28-3A22-4F48-97FB-8D608C6F550B}"/>
-              </a:ext>
-            </a:extLst>
-          </p:cNvPr>
+          <p:cNvPr id="6" name="灯片编号占位符 5"/>
           <p:cNvSpPr>
             <a:spLocks noGrp="1"/>
           </p:cNvSpPr>
@@ -1596,29 +1423,23 @@
           <a:p>
             <a:fld id="{195DF8BB-3426-49E0-9D36-69DE378B8EB3}" type="slidenum">
               <a:rPr lang="zh-CN" altLang="en-US" smtClean="0"/>
-              <a:t>‹#›</a:t>
             </a:fld>
             <a:endParaRPr lang="zh-CN" altLang="en-US"/>
           </a:p>
         </p:txBody>
       </p:sp>
     </p:spTree>
-    <p:extLst>
-      <p:ext uri="{BB962C8B-B14F-4D97-AF65-F5344CB8AC3E}">
-        <p14:creationId xmlns:p14="http://schemas.microsoft.com/office/powerpoint/2010/main" val="3852108157"/>
-      </p:ext>
-    </p:extLst>
   </p:cSld>
   <p:clrMapOvr>
     <a:masterClrMapping/>
   </p:clrMapOvr>
-  <mc:AlternateContent xmlns:mc="http://schemas.openxmlformats.org/markup-compatibility/2006" xmlns:p14="http://schemas.microsoft.com/office/powerpoint/2010/main">
-    <mc:Choice Requires="p14">
+  <mc:AlternateContent xmlns:mc="http://schemas.openxmlformats.org/markup-compatibility/2006">
+    <mc:Choice xmlns:p14="http://schemas.microsoft.com/office/powerpoint/2010/main" Requires="p14">
       <p:transition spd="slow" p14:dur="1500" advTm="0">
         <p:random/>
       </p:transition>
     </mc:Choice>
-    <mc:Fallback xmlns="">
+    <mc:Fallback>
       <p:transition spd="slow" advTm="0">
         <p:random/>
       </p:transition>
@@ -1646,13 +1467,7 @@
       </p:grpSpPr>
       <p:sp>
         <p:nvSpPr>
-          <p:cNvPr id="7" name="矩形 6">
-            <a:extLst>
-              <a:ext uri="{FF2B5EF4-FFF2-40B4-BE49-F238E27FC236}">
-                <a16:creationId xmlns:a16="http://schemas.microsoft.com/office/drawing/2014/main" id="{89E53A4E-4755-4C81-87AB-3EEB46D31FF2}"/>
-              </a:ext>
-            </a:extLst>
-          </p:cNvPr>
+          <p:cNvPr id="7" name="矩形 6"/>
           <p:cNvSpPr/>
           <p:nvPr userDrawn="1"/>
         </p:nvSpPr>
@@ -1701,13 +1516,7 @@
       </p:sp>
       <p:cxnSp>
         <p:nvCxnSpPr>
-          <p:cNvPr id="8" name="直接连接符 7">
-            <a:extLst>
-              <a:ext uri="{FF2B5EF4-FFF2-40B4-BE49-F238E27FC236}">
-                <a16:creationId xmlns:a16="http://schemas.microsoft.com/office/drawing/2014/main" id="{9B19B8AD-4ACF-4499-8867-680C43A902F9}"/>
-              </a:ext>
-            </a:extLst>
-          </p:cNvPr>
+          <p:cNvPr id="8" name="直接连接符 7"/>
           <p:cNvCxnSpPr/>
           <p:nvPr userDrawn="1"/>
         </p:nvCxnSpPr>
@@ -1746,13 +1555,7 @@
       </p:cxnSp>
       <p:sp>
         <p:nvSpPr>
-          <p:cNvPr id="9" name="矩形: 圆角 8">
-            <a:extLst>
-              <a:ext uri="{FF2B5EF4-FFF2-40B4-BE49-F238E27FC236}">
-                <a16:creationId xmlns:a16="http://schemas.microsoft.com/office/drawing/2014/main" id="{020014F0-151C-427F-AFD7-4F49339205AB}"/>
-              </a:ext>
-            </a:extLst>
-          </p:cNvPr>
+          <p:cNvPr id="9" name="矩形: 圆角 8"/>
           <p:cNvSpPr/>
           <p:nvPr userDrawn="1"/>
         </p:nvSpPr>
@@ -1805,13 +1608,7 @@
       </p:sp>
       <p:sp>
         <p:nvSpPr>
-          <p:cNvPr id="10" name="矩形: 圆角 9">
-            <a:extLst>
-              <a:ext uri="{FF2B5EF4-FFF2-40B4-BE49-F238E27FC236}">
-                <a16:creationId xmlns:a16="http://schemas.microsoft.com/office/drawing/2014/main" id="{5D9C1086-8973-4183-ADCF-4CCB42BBD31B}"/>
-              </a:ext>
-            </a:extLst>
-          </p:cNvPr>
+          <p:cNvPr id="10" name="矩形: 圆角 9"/>
           <p:cNvSpPr/>
           <p:nvPr userDrawn="1"/>
         </p:nvSpPr>
@@ -1866,13 +1663,7 @@
       </p:sp>
       <p:sp>
         <p:nvSpPr>
-          <p:cNvPr id="11" name="标题 10">
-            <a:extLst>
-              <a:ext uri="{FF2B5EF4-FFF2-40B4-BE49-F238E27FC236}">
-                <a16:creationId xmlns:a16="http://schemas.microsoft.com/office/drawing/2014/main" id="{65327040-AD97-404B-BFFF-AE793CB9F405}"/>
-              </a:ext>
-            </a:extLst>
-          </p:cNvPr>
+          <p:cNvPr id="11" name="标题 10"/>
           <p:cNvSpPr>
             <a:spLocks noGrp="1"/>
           </p:cNvSpPr>
@@ -1904,26 +1695,22 @@
               <a:rPr lang="zh-CN" altLang="en-US" dirty="0"/>
               <a:t>单击此处编辑母版标题样式</a:t>
             </a:r>
+            <a:endParaRPr lang="zh-CN" altLang="en-US" dirty="0"/>
           </a:p>
         </p:txBody>
       </p:sp>
     </p:spTree>
-    <p:extLst>
-      <p:ext uri="{BB962C8B-B14F-4D97-AF65-F5344CB8AC3E}">
-        <p14:creationId xmlns:p14="http://schemas.microsoft.com/office/powerpoint/2010/main" val="139862585"/>
-      </p:ext>
-    </p:extLst>
   </p:cSld>
   <p:clrMapOvr>
     <a:masterClrMapping/>
   </p:clrMapOvr>
-  <mc:AlternateContent xmlns:mc="http://schemas.openxmlformats.org/markup-compatibility/2006" xmlns:p14="http://schemas.microsoft.com/office/powerpoint/2010/main">
-    <mc:Choice Requires="p14">
+  <mc:AlternateContent xmlns:mc="http://schemas.openxmlformats.org/markup-compatibility/2006">
+    <mc:Choice xmlns:p14="http://schemas.microsoft.com/office/powerpoint/2010/main" Requires="p14">
       <p:transition spd="slow" p14:dur="1500" advTm="0">
         <p:random/>
       </p:transition>
     </mc:Choice>
-    <mc:Fallback xmlns="">
+    <mc:Fallback>
       <p:transition spd="slow" advTm="0">
         <p:random/>
       </p:transition>
@@ -1951,13 +1738,7 @@
       </p:grpSpPr>
       <p:sp>
         <p:nvSpPr>
-          <p:cNvPr id="2" name="标题 1">
-            <a:extLst>
-              <a:ext uri="{FF2B5EF4-FFF2-40B4-BE49-F238E27FC236}">
-                <a16:creationId xmlns:a16="http://schemas.microsoft.com/office/drawing/2014/main" id="{BFC6ECA6-F6F7-4861-BB6B-E9A7808C2417}"/>
-              </a:ext>
-            </a:extLst>
-          </p:cNvPr>
+          <p:cNvPr id="2" name="标题 1"/>
           <p:cNvSpPr>
             <a:spLocks noGrp="1"/>
           </p:cNvSpPr>
@@ -1974,23 +1755,18 @@
               <a:rPr lang="zh-CN" altLang="en-US"/>
               <a:t>单击此处编辑母版标题样式</a:t>
             </a:r>
-          </a:p>
-        </p:txBody>
-      </p:sp>
-      <p:sp>
-        <p:nvSpPr>
-          <p:cNvPr id="3" name="内容占位符 2">
-            <a:extLst>
-              <a:ext uri="{FF2B5EF4-FFF2-40B4-BE49-F238E27FC236}">
-                <a16:creationId xmlns:a16="http://schemas.microsoft.com/office/drawing/2014/main" id="{2F53DF93-8D2D-4C32-BA20-305D90179411}"/>
-              </a:ext>
-            </a:extLst>
-          </p:cNvPr>
+            <a:endParaRPr lang="zh-CN" altLang="en-US"/>
+          </a:p>
+        </p:txBody>
+      </p:sp>
+      <p:sp>
+        <p:nvSpPr>
+          <p:cNvPr id="3" name="内容占位符 2"/>
           <p:cNvSpPr>
             <a:spLocks noGrp="1"/>
           </p:cNvSpPr>
           <p:nvPr>
-            <p:ph sz="half" idx="1"/>
+            <p:ph sz="half" idx="1" hasCustomPrompt="1"/>
           </p:nvPr>
         </p:nvSpPr>
         <p:spPr>
@@ -2008,6 +1784,7 @@
               <a:rPr lang="zh-CN" altLang="en-US"/>
               <a:t>编辑母版文本样式</a:t>
             </a:r>
+            <a:endParaRPr lang="zh-CN" altLang="en-US"/>
           </a:p>
           <a:p>
             <a:pPr lvl="1"/>
@@ -2015,6 +1792,7 @@
               <a:rPr lang="zh-CN" altLang="en-US"/>
               <a:t>第二级</a:t>
             </a:r>
+            <a:endParaRPr lang="zh-CN" altLang="en-US"/>
           </a:p>
           <a:p>
             <a:pPr lvl="2"/>
@@ -2022,6 +1800,7 @@
               <a:rPr lang="zh-CN" altLang="en-US"/>
               <a:t>第三级</a:t>
             </a:r>
+            <a:endParaRPr lang="zh-CN" altLang="en-US"/>
           </a:p>
           <a:p>
             <a:pPr lvl="3"/>
@@ -2029,6 +1808,7 @@
               <a:rPr lang="zh-CN" altLang="en-US"/>
               <a:t>第四级</a:t>
             </a:r>
+            <a:endParaRPr lang="zh-CN" altLang="en-US"/>
           </a:p>
           <a:p>
             <a:pPr lvl="4"/>
@@ -2036,23 +1816,18 @@
               <a:rPr lang="zh-CN" altLang="en-US"/>
               <a:t>第五级</a:t>
             </a:r>
-          </a:p>
-        </p:txBody>
-      </p:sp>
-      <p:sp>
-        <p:nvSpPr>
-          <p:cNvPr id="4" name="内容占位符 3">
-            <a:extLst>
-              <a:ext uri="{FF2B5EF4-FFF2-40B4-BE49-F238E27FC236}">
-                <a16:creationId xmlns:a16="http://schemas.microsoft.com/office/drawing/2014/main" id="{DE2FF5D6-C18A-4533-A6C8-21BCABF3D6CA}"/>
-              </a:ext>
-            </a:extLst>
-          </p:cNvPr>
+            <a:endParaRPr lang="zh-CN" altLang="en-US"/>
+          </a:p>
+        </p:txBody>
+      </p:sp>
+      <p:sp>
+        <p:nvSpPr>
+          <p:cNvPr id="4" name="内容占位符 3"/>
           <p:cNvSpPr>
             <a:spLocks noGrp="1"/>
           </p:cNvSpPr>
           <p:nvPr>
-            <p:ph sz="half" idx="2"/>
+            <p:ph sz="half" idx="2" hasCustomPrompt="1"/>
           </p:nvPr>
         </p:nvSpPr>
         <p:spPr>
@@ -2070,6 +1845,7 @@
               <a:rPr lang="zh-CN" altLang="en-US"/>
               <a:t>编辑母版文本样式</a:t>
             </a:r>
+            <a:endParaRPr lang="zh-CN" altLang="en-US"/>
           </a:p>
           <a:p>
             <a:pPr lvl="1"/>
@@ -2077,6 +1853,7 @@
               <a:rPr lang="zh-CN" altLang="en-US"/>
               <a:t>第二级</a:t>
             </a:r>
+            <a:endParaRPr lang="zh-CN" altLang="en-US"/>
           </a:p>
           <a:p>
             <a:pPr lvl="2"/>
@@ -2084,6 +1861,7 @@
               <a:rPr lang="zh-CN" altLang="en-US"/>
               <a:t>第三级</a:t>
             </a:r>
+            <a:endParaRPr lang="zh-CN" altLang="en-US"/>
           </a:p>
           <a:p>
             <a:pPr lvl="3"/>
@@ -2091,6 +1869,7 @@
               <a:rPr lang="zh-CN" altLang="en-US"/>
               <a:t>第四级</a:t>
             </a:r>
+            <a:endParaRPr lang="zh-CN" altLang="en-US"/>
           </a:p>
           <a:p>
             <a:pPr lvl="4"/>
@@ -2098,18 +1877,13 @@
               <a:rPr lang="zh-CN" altLang="en-US"/>
               <a:t>第五级</a:t>
             </a:r>
-          </a:p>
-        </p:txBody>
-      </p:sp>
-      <p:sp>
-        <p:nvSpPr>
-          <p:cNvPr id="5" name="日期占位符 4">
-            <a:extLst>
-              <a:ext uri="{FF2B5EF4-FFF2-40B4-BE49-F238E27FC236}">
-                <a16:creationId xmlns:a16="http://schemas.microsoft.com/office/drawing/2014/main" id="{74FFD784-78F2-46C3-AA6B-F1E5F945323B}"/>
-              </a:ext>
-            </a:extLst>
-          </p:cNvPr>
+            <a:endParaRPr lang="zh-CN" altLang="en-US"/>
+          </a:p>
+        </p:txBody>
+      </p:sp>
+      <p:sp>
+        <p:nvSpPr>
+          <p:cNvPr id="5" name="日期占位符 4"/>
           <p:cNvSpPr>
             <a:spLocks noGrp="1"/>
           </p:cNvSpPr>
@@ -2124,7 +1898,6 @@
           <a:p>
             <a:fld id="{2CE7B598-0A54-44D8-A998-C82D12D838CD}" type="datetimeFigureOut">
               <a:rPr lang="zh-CN" altLang="en-US" smtClean="0"/>
-              <a:t>2021/4/18</a:t>
             </a:fld>
             <a:endParaRPr lang="zh-CN" altLang="en-US"/>
           </a:p>
@@ -2132,13 +1905,7 @@
       </p:sp>
       <p:sp>
         <p:nvSpPr>
-          <p:cNvPr id="6" name="页脚占位符 5">
-            <a:extLst>
-              <a:ext uri="{FF2B5EF4-FFF2-40B4-BE49-F238E27FC236}">
-                <a16:creationId xmlns:a16="http://schemas.microsoft.com/office/drawing/2014/main" id="{A21387C0-72F4-4E48-95BB-7DA60BF8AC72}"/>
-              </a:ext>
-            </a:extLst>
-          </p:cNvPr>
+          <p:cNvPr id="6" name="页脚占位符 5"/>
           <p:cNvSpPr>
             <a:spLocks noGrp="1"/>
           </p:cNvSpPr>
@@ -2157,13 +1924,7 @@
       </p:sp>
       <p:sp>
         <p:nvSpPr>
-          <p:cNvPr id="7" name="灯片编号占位符 6">
-            <a:extLst>
-              <a:ext uri="{FF2B5EF4-FFF2-40B4-BE49-F238E27FC236}">
-                <a16:creationId xmlns:a16="http://schemas.microsoft.com/office/drawing/2014/main" id="{A704B034-D28F-4C19-9E04-6CFDCF286BB3}"/>
-              </a:ext>
-            </a:extLst>
-          </p:cNvPr>
+          <p:cNvPr id="7" name="灯片编号占位符 6"/>
           <p:cNvSpPr>
             <a:spLocks noGrp="1"/>
           </p:cNvSpPr>
@@ -2178,29 +1939,23 @@
           <a:p>
             <a:fld id="{195DF8BB-3426-49E0-9D36-69DE378B8EB3}" type="slidenum">
               <a:rPr lang="zh-CN" altLang="en-US" smtClean="0"/>
-              <a:t>‹#›</a:t>
             </a:fld>
             <a:endParaRPr lang="zh-CN" altLang="en-US"/>
           </a:p>
         </p:txBody>
       </p:sp>
     </p:spTree>
-    <p:extLst>
-      <p:ext uri="{BB962C8B-B14F-4D97-AF65-F5344CB8AC3E}">
-        <p14:creationId xmlns:p14="http://schemas.microsoft.com/office/powerpoint/2010/main" val="3390915187"/>
-      </p:ext>
-    </p:extLst>
   </p:cSld>
   <p:clrMapOvr>
     <a:masterClrMapping/>
   </p:clrMapOvr>
-  <mc:AlternateContent xmlns:mc="http://schemas.openxmlformats.org/markup-compatibility/2006" xmlns:p14="http://schemas.microsoft.com/office/powerpoint/2010/main">
-    <mc:Choice Requires="p14">
+  <mc:AlternateContent xmlns:mc="http://schemas.openxmlformats.org/markup-compatibility/2006">
+    <mc:Choice xmlns:p14="http://schemas.microsoft.com/office/powerpoint/2010/main" Requires="p14">
       <p:transition spd="slow" p14:dur="1500" advTm="0">
         <p:random/>
       </p:transition>
     </mc:Choice>
-    <mc:Fallback xmlns="">
+    <mc:Fallback>
       <p:transition spd="slow" advTm="0">
         <p:random/>
       </p:transition>
@@ -2228,13 +1983,7 @@
       </p:grpSpPr>
       <p:sp>
         <p:nvSpPr>
-          <p:cNvPr id="2" name="标题 1">
-            <a:extLst>
-              <a:ext uri="{FF2B5EF4-FFF2-40B4-BE49-F238E27FC236}">
-                <a16:creationId xmlns:a16="http://schemas.microsoft.com/office/drawing/2014/main" id="{00DA5D93-DFF3-4480-A6AB-8B5E7DD4F56F}"/>
-              </a:ext>
-            </a:extLst>
-          </p:cNvPr>
+          <p:cNvPr id="2" name="标题 1"/>
           <p:cNvSpPr>
             <a:spLocks noGrp="1"/>
           </p:cNvSpPr>
@@ -2256,23 +2005,18 @@
               <a:rPr lang="zh-CN" altLang="en-US"/>
               <a:t>单击此处编辑母版标题样式</a:t>
             </a:r>
-          </a:p>
-        </p:txBody>
-      </p:sp>
-      <p:sp>
-        <p:nvSpPr>
-          <p:cNvPr id="3" name="文本占位符 2">
-            <a:extLst>
-              <a:ext uri="{FF2B5EF4-FFF2-40B4-BE49-F238E27FC236}">
-                <a16:creationId xmlns:a16="http://schemas.microsoft.com/office/drawing/2014/main" id="{CA3F343C-3763-4E7E-8001-6528BEE0B668}"/>
-              </a:ext>
-            </a:extLst>
-          </p:cNvPr>
+            <a:endParaRPr lang="zh-CN" altLang="en-US"/>
+          </a:p>
+        </p:txBody>
+      </p:sp>
+      <p:sp>
+        <p:nvSpPr>
+          <p:cNvPr id="3" name="文本占位符 2"/>
           <p:cNvSpPr>
             <a:spLocks noGrp="1"/>
           </p:cNvSpPr>
           <p:nvPr>
-            <p:ph type="body" idx="1"/>
+            <p:ph type="body" idx="1" hasCustomPrompt="1"/>
           </p:nvPr>
         </p:nvSpPr>
         <p:spPr>
@@ -2327,23 +2071,18 @@
               <a:rPr lang="zh-CN" altLang="en-US"/>
               <a:t>编辑母版文本样式</a:t>
             </a:r>
-          </a:p>
-        </p:txBody>
-      </p:sp>
-      <p:sp>
-        <p:nvSpPr>
-          <p:cNvPr id="4" name="内容占位符 3">
-            <a:extLst>
-              <a:ext uri="{FF2B5EF4-FFF2-40B4-BE49-F238E27FC236}">
-                <a16:creationId xmlns:a16="http://schemas.microsoft.com/office/drawing/2014/main" id="{C591C07C-20A1-4214-B54D-4C4B4FFEAC5C}"/>
-              </a:ext>
-            </a:extLst>
-          </p:cNvPr>
+            <a:endParaRPr lang="zh-CN" altLang="en-US"/>
+          </a:p>
+        </p:txBody>
+      </p:sp>
+      <p:sp>
+        <p:nvSpPr>
+          <p:cNvPr id="4" name="内容占位符 3"/>
           <p:cNvSpPr>
             <a:spLocks noGrp="1"/>
           </p:cNvSpPr>
           <p:nvPr>
-            <p:ph sz="half" idx="2"/>
+            <p:ph sz="half" idx="2" hasCustomPrompt="1"/>
           </p:nvPr>
         </p:nvSpPr>
         <p:spPr>
@@ -2361,6 +2100,7 @@
               <a:rPr lang="zh-CN" altLang="en-US"/>
               <a:t>编辑母版文本样式</a:t>
             </a:r>
+            <a:endParaRPr lang="zh-CN" altLang="en-US"/>
           </a:p>
           <a:p>
             <a:pPr lvl="1"/>
@@ -2368,6 +2108,7 @@
               <a:rPr lang="zh-CN" altLang="en-US"/>
               <a:t>第二级</a:t>
             </a:r>
+            <a:endParaRPr lang="zh-CN" altLang="en-US"/>
           </a:p>
           <a:p>
             <a:pPr lvl="2"/>
@@ -2375,6 +2116,7 @@
               <a:rPr lang="zh-CN" altLang="en-US"/>
               <a:t>第三级</a:t>
             </a:r>
+            <a:endParaRPr lang="zh-CN" altLang="en-US"/>
           </a:p>
           <a:p>
             <a:pPr lvl="3"/>
@@ -2382,6 +2124,7 @@
               <a:rPr lang="zh-CN" altLang="en-US"/>
               <a:t>第四级</a:t>
             </a:r>
+            <a:endParaRPr lang="zh-CN" altLang="en-US"/>
           </a:p>
           <a:p>
             <a:pPr lvl="4"/>
@@ -2389,23 +2132,18 @@
               <a:rPr lang="zh-CN" altLang="en-US"/>
               <a:t>第五级</a:t>
             </a:r>
-          </a:p>
-        </p:txBody>
-      </p:sp>
-      <p:sp>
-        <p:nvSpPr>
-          <p:cNvPr id="5" name="文本占位符 4">
-            <a:extLst>
-              <a:ext uri="{FF2B5EF4-FFF2-40B4-BE49-F238E27FC236}">
-                <a16:creationId xmlns:a16="http://schemas.microsoft.com/office/drawing/2014/main" id="{029C3ABF-003C-479F-87DD-9B154B37EA66}"/>
-              </a:ext>
-            </a:extLst>
-          </p:cNvPr>
+            <a:endParaRPr lang="zh-CN" altLang="en-US"/>
+          </a:p>
+        </p:txBody>
+      </p:sp>
+      <p:sp>
+        <p:nvSpPr>
+          <p:cNvPr id="5" name="文本占位符 4"/>
           <p:cNvSpPr>
             <a:spLocks noGrp="1"/>
           </p:cNvSpPr>
           <p:nvPr>
-            <p:ph type="body" sz="quarter" idx="3"/>
+            <p:ph type="body" sz="quarter" idx="3" hasCustomPrompt="1"/>
           </p:nvPr>
         </p:nvSpPr>
         <p:spPr>
@@ -2460,23 +2198,18 @@
               <a:rPr lang="zh-CN" altLang="en-US"/>
               <a:t>编辑母版文本样式</a:t>
             </a:r>
-          </a:p>
-        </p:txBody>
-      </p:sp>
-      <p:sp>
-        <p:nvSpPr>
-          <p:cNvPr id="6" name="内容占位符 5">
-            <a:extLst>
-              <a:ext uri="{FF2B5EF4-FFF2-40B4-BE49-F238E27FC236}">
-                <a16:creationId xmlns:a16="http://schemas.microsoft.com/office/drawing/2014/main" id="{67050E0F-7D4B-4A90-BB94-B36AEE6C1787}"/>
-              </a:ext>
-            </a:extLst>
-          </p:cNvPr>
+            <a:endParaRPr lang="zh-CN" altLang="en-US"/>
+          </a:p>
+        </p:txBody>
+      </p:sp>
+      <p:sp>
+        <p:nvSpPr>
+          <p:cNvPr id="6" name="内容占位符 5"/>
           <p:cNvSpPr>
             <a:spLocks noGrp="1"/>
           </p:cNvSpPr>
           <p:nvPr>
-            <p:ph sz="quarter" idx="4"/>
+            <p:ph sz="quarter" idx="4" hasCustomPrompt="1"/>
           </p:nvPr>
         </p:nvSpPr>
         <p:spPr>
@@ -2494,6 +2227,7 @@
               <a:rPr lang="zh-CN" altLang="en-US"/>
               <a:t>编辑母版文本样式</a:t>
             </a:r>
+            <a:endParaRPr lang="zh-CN" altLang="en-US"/>
           </a:p>
           <a:p>
             <a:pPr lvl="1"/>
@@ -2501,6 +2235,7 @@
               <a:rPr lang="zh-CN" altLang="en-US"/>
               <a:t>第二级</a:t>
             </a:r>
+            <a:endParaRPr lang="zh-CN" altLang="en-US"/>
           </a:p>
           <a:p>
             <a:pPr lvl="2"/>
@@ -2508,6 +2243,7 @@
               <a:rPr lang="zh-CN" altLang="en-US"/>
               <a:t>第三级</a:t>
             </a:r>
+            <a:endParaRPr lang="zh-CN" altLang="en-US"/>
           </a:p>
           <a:p>
             <a:pPr lvl="3"/>
@@ -2515,6 +2251,7 @@
               <a:rPr lang="zh-CN" altLang="en-US"/>
               <a:t>第四级</a:t>
             </a:r>
+            <a:endParaRPr lang="zh-CN" altLang="en-US"/>
           </a:p>
           <a:p>
             <a:pPr lvl="4"/>
@@ -2522,18 +2259,13 @@
               <a:rPr lang="zh-CN" altLang="en-US"/>
               <a:t>第五级</a:t>
             </a:r>
-          </a:p>
-        </p:txBody>
-      </p:sp>
-      <p:sp>
-        <p:nvSpPr>
-          <p:cNvPr id="7" name="日期占位符 6">
-            <a:extLst>
-              <a:ext uri="{FF2B5EF4-FFF2-40B4-BE49-F238E27FC236}">
-                <a16:creationId xmlns:a16="http://schemas.microsoft.com/office/drawing/2014/main" id="{2E33836A-C19A-420E-95D6-F87B0C96C1ED}"/>
-              </a:ext>
-            </a:extLst>
-          </p:cNvPr>
+            <a:endParaRPr lang="zh-CN" altLang="en-US"/>
+          </a:p>
+        </p:txBody>
+      </p:sp>
+      <p:sp>
+        <p:nvSpPr>
+          <p:cNvPr id="7" name="日期占位符 6"/>
           <p:cNvSpPr>
             <a:spLocks noGrp="1"/>
           </p:cNvSpPr>
@@ -2548,7 +2280,6 @@
           <a:p>
             <a:fld id="{2CE7B598-0A54-44D8-A998-C82D12D838CD}" type="datetimeFigureOut">
               <a:rPr lang="zh-CN" altLang="en-US" smtClean="0"/>
-              <a:t>2021/4/18</a:t>
             </a:fld>
             <a:endParaRPr lang="zh-CN" altLang="en-US"/>
           </a:p>
@@ -2556,13 +2287,7 @@
       </p:sp>
       <p:sp>
         <p:nvSpPr>
-          <p:cNvPr id="8" name="页脚占位符 7">
-            <a:extLst>
-              <a:ext uri="{FF2B5EF4-FFF2-40B4-BE49-F238E27FC236}">
-                <a16:creationId xmlns:a16="http://schemas.microsoft.com/office/drawing/2014/main" id="{D64C34C2-5774-4614-854D-78E5CD183881}"/>
-              </a:ext>
-            </a:extLst>
-          </p:cNvPr>
+          <p:cNvPr id="8" name="页脚占位符 7"/>
           <p:cNvSpPr>
             <a:spLocks noGrp="1"/>
           </p:cNvSpPr>
@@ -2581,13 +2306,7 @@
       </p:sp>
       <p:sp>
         <p:nvSpPr>
-          <p:cNvPr id="9" name="灯片编号占位符 8">
-            <a:extLst>
-              <a:ext uri="{FF2B5EF4-FFF2-40B4-BE49-F238E27FC236}">
-                <a16:creationId xmlns:a16="http://schemas.microsoft.com/office/drawing/2014/main" id="{F26A099A-8494-4A6B-938D-796B8E109C5F}"/>
-              </a:ext>
-            </a:extLst>
-          </p:cNvPr>
+          <p:cNvPr id="9" name="灯片编号占位符 8"/>
           <p:cNvSpPr>
             <a:spLocks noGrp="1"/>
           </p:cNvSpPr>
@@ -2602,7 +2321,6 @@
           <a:p>
             <a:fld id="{195DF8BB-3426-49E0-9D36-69DE378B8EB3}" type="slidenum">
               <a:rPr lang="zh-CN" altLang="en-US" smtClean="0"/>
-              <a:t>‹#›</a:t>
             </a:fld>
             <a:endParaRPr lang="zh-CN" altLang="en-US"/>
           </a:p>
@@ -2692,22 +2410,17 @@
         </p:txBody>
       </p:sp>
     </p:spTree>
-    <p:extLst>
-      <p:ext uri="{BB962C8B-B14F-4D97-AF65-F5344CB8AC3E}">
-        <p14:creationId xmlns:p14="http://schemas.microsoft.com/office/powerpoint/2010/main" val="4094362574"/>
-      </p:ext>
-    </p:extLst>
   </p:cSld>
   <p:clrMapOvr>
     <a:masterClrMapping/>
   </p:clrMapOvr>
-  <mc:AlternateContent xmlns:mc="http://schemas.openxmlformats.org/markup-compatibility/2006" xmlns:p14="http://schemas.microsoft.com/office/powerpoint/2010/main">
-    <mc:Choice Requires="p14">
+  <mc:AlternateContent xmlns:mc="http://schemas.openxmlformats.org/markup-compatibility/2006">
+    <mc:Choice xmlns:p14="http://schemas.microsoft.com/office/powerpoint/2010/main" Requires="p14">
       <p:transition spd="slow" p14:dur="1500" advTm="0">
         <p:random/>
       </p:transition>
     </mc:Choice>
-    <mc:Fallback xmlns="">
+    <mc:Fallback>
       <p:transition spd="slow" advTm="0">
         <p:random/>
       </p:transition>
@@ -2735,13 +2448,7 @@
       </p:grpSpPr>
       <p:sp>
         <p:nvSpPr>
-          <p:cNvPr id="2" name="标题 1">
-            <a:extLst>
-              <a:ext uri="{FF2B5EF4-FFF2-40B4-BE49-F238E27FC236}">
-                <a16:creationId xmlns:a16="http://schemas.microsoft.com/office/drawing/2014/main" id="{23231CB6-11AB-4D59-A9E4-FE51412EA575}"/>
-              </a:ext>
-            </a:extLst>
-          </p:cNvPr>
+          <p:cNvPr id="2" name="标题 1"/>
           <p:cNvSpPr>
             <a:spLocks noGrp="1"/>
           </p:cNvSpPr>
@@ -2758,18 +2465,13 @@
               <a:rPr lang="zh-CN" altLang="en-US"/>
               <a:t>单击此处编辑母版标题样式</a:t>
             </a:r>
-          </a:p>
-        </p:txBody>
-      </p:sp>
-      <p:sp>
-        <p:nvSpPr>
-          <p:cNvPr id="3" name="日期占位符 2">
-            <a:extLst>
-              <a:ext uri="{FF2B5EF4-FFF2-40B4-BE49-F238E27FC236}">
-                <a16:creationId xmlns:a16="http://schemas.microsoft.com/office/drawing/2014/main" id="{89D6B329-B836-4681-937A-A448BE05201F}"/>
-              </a:ext>
-            </a:extLst>
-          </p:cNvPr>
+            <a:endParaRPr lang="zh-CN" altLang="en-US"/>
+          </a:p>
+        </p:txBody>
+      </p:sp>
+      <p:sp>
+        <p:nvSpPr>
+          <p:cNvPr id="3" name="日期占位符 2"/>
           <p:cNvSpPr>
             <a:spLocks noGrp="1"/>
           </p:cNvSpPr>
@@ -2784,7 +2486,6 @@
           <a:p>
             <a:fld id="{2CE7B598-0A54-44D8-A998-C82D12D838CD}" type="datetimeFigureOut">
               <a:rPr lang="zh-CN" altLang="en-US" smtClean="0"/>
-              <a:t>2021/4/18</a:t>
             </a:fld>
             <a:endParaRPr lang="zh-CN" altLang="en-US"/>
           </a:p>
@@ -2792,13 +2493,7 @@
       </p:sp>
       <p:sp>
         <p:nvSpPr>
-          <p:cNvPr id="4" name="页脚占位符 3">
-            <a:extLst>
-              <a:ext uri="{FF2B5EF4-FFF2-40B4-BE49-F238E27FC236}">
-                <a16:creationId xmlns:a16="http://schemas.microsoft.com/office/drawing/2014/main" id="{D0326462-E467-4890-A28D-4746809E3DCF}"/>
-              </a:ext>
-            </a:extLst>
-          </p:cNvPr>
+          <p:cNvPr id="4" name="页脚占位符 3"/>
           <p:cNvSpPr>
             <a:spLocks noGrp="1"/>
           </p:cNvSpPr>
@@ -2817,13 +2512,7 @@
       </p:sp>
       <p:sp>
         <p:nvSpPr>
-          <p:cNvPr id="5" name="灯片编号占位符 4">
-            <a:extLst>
-              <a:ext uri="{FF2B5EF4-FFF2-40B4-BE49-F238E27FC236}">
-                <a16:creationId xmlns:a16="http://schemas.microsoft.com/office/drawing/2014/main" id="{CCD40214-6257-4B6A-B808-BD954488861D}"/>
-              </a:ext>
-            </a:extLst>
-          </p:cNvPr>
+          <p:cNvPr id="5" name="灯片编号占位符 4"/>
           <p:cNvSpPr>
             <a:spLocks noGrp="1"/>
           </p:cNvSpPr>
@@ -2838,29 +2527,23 @@
           <a:p>
             <a:fld id="{195DF8BB-3426-49E0-9D36-69DE378B8EB3}" type="slidenum">
               <a:rPr lang="zh-CN" altLang="en-US" smtClean="0"/>
-              <a:t>‹#›</a:t>
             </a:fld>
             <a:endParaRPr lang="zh-CN" altLang="en-US"/>
           </a:p>
         </p:txBody>
       </p:sp>
     </p:spTree>
-    <p:extLst>
-      <p:ext uri="{BB962C8B-B14F-4D97-AF65-F5344CB8AC3E}">
-        <p14:creationId xmlns:p14="http://schemas.microsoft.com/office/powerpoint/2010/main" val="429153668"/>
-      </p:ext>
-    </p:extLst>
   </p:cSld>
   <p:clrMapOvr>
     <a:masterClrMapping/>
   </p:clrMapOvr>
-  <mc:AlternateContent xmlns:mc="http://schemas.openxmlformats.org/markup-compatibility/2006" xmlns:p14="http://schemas.microsoft.com/office/powerpoint/2010/main">
-    <mc:Choice Requires="p14">
+  <mc:AlternateContent xmlns:mc="http://schemas.openxmlformats.org/markup-compatibility/2006">
+    <mc:Choice xmlns:p14="http://schemas.microsoft.com/office/powerpoint/2010/main" Requires="p14">
       <p:transition spd="slow" p14:dur="1500" advTm="0">
         <p:random/>
       </p:transition>
     </mc:Choice>
-    <mc:Fallback xmlns="">
+    <mc:Fallback>
       <p:transition spd="slow" advTm="0">
         <p:random/>
       </p:transition>
@@ -2888,13 +2571,7 @@
       </p:grpSpPr>
       <p:sp>
         <p:nvSpPr>
-          <p:cNvPr id="2" name="日期占位符 1">
-            <a:extLst>
-              <a:ext uri="{FF2B5EF4-FFF2-40B4-BE49-F238E27FC236}">
-                <a16:creationId xmlns:a16="http://schemas.microsoft.com/office/drawing/2014/main" id="{723B0DA2-A559-47A1-B6CD-C9687531BFED}"/>
-              </a:ext>
-            </a:extLst>
-          </p:cNvPr>
+          <p:cNvPr id="2" name="日期占位符 1"/>
           <p:cNvSpPr>
             <a:spLocks noGrp="1"/>
           </p:cNvSpPr>
@@ -2909,7 +2586,6 @@
           <a:p>
             <a:fld id="{2CE7B598-0A54-44D8-A998-C82D12D838CD}" type="datetimeFigureOut">
               <a:rPr lang="zh-CN" altLang="en-US" smtClean="0"/>
-              <a:t>2021/4/18</a:t>
             </a:fld>
             <a:endParaRPr lang="zh-CN" altLang="en-US"/>
           </a:p>
@@ -2917,13 +2593,7 @@
       </p:sp>
       <p:sp>
         <p:nvSpPr>
-          <p:cNvPr id="3" name="页脚占位符 2">
-            <a:extLst>
-              <a:ext uri="{FF2B5EF4-FFF2-40B4-BE49-F238E27FC236}">
-                <a16:creationId xmlns:a16="http://schemas.microsoft.com/office/drawing/2014/main" id="{12B42C73-13E1-4646-8F7C-9A3D95C7164C}"/>
-              </a:ext>
-            </a:extLst>
-          </p:cNvPr>
+          <p:cNvPr id="3" name="页脚占位符 2"/>
           <p:cNvSpPr>
             <a:spLocks noGrp="1"/>
           </p:cNvSpPr>
@@ -2942,13 +2612,7 @@
       </p:sp>
       <p:sp>
         <p:nvSpPr>
-          <p:cNvPr id="4" name="灯片编号占位符 3">
-            <a:extLst>
-              <a:ext uri="{FF2B5EF4-FFF2-40B4-BE49-F238E27FC236}">
-                <a16:creationId xmlns:a16="http://schemas.microsoft.com/office/drawing/2014/main" id="{5D486D83-26E7-400A-BE0C-E52D30805528}"/>
-              </a:ext>
-            </a:extLst>
-          </p:cNvPr>
+          <p:cNvPr id="4" name="灯片编号占位符 3"/>
           <p:cNvSpPr>
             <a:spLocks noGrp="1"/>
           </p:cNvSpPr>
@@ -2963,29 +2627,23 @@
           <a:p>
             <a:fld id="{195DF8BB-3426-49E0-9D36-69DE378B8EB3}" type="slidenum">
               <a:rPr lang="zh-CN" altLang="en-US" smtClean="0"/>
-              <a:t>‹#›</a:t>
             </a:fld>
             <a:endParaRPr lang="zh-CN" altLang="en-US"/>
           </a:p>
         </p:txBody>
       </p:sp>
     </p:spTree>
-    <p:extLst>
-      <p:ext uri="{BB962C8B-B14F-4D97-AF65-F5344CB8AC3E}">
-        <p14:creationId xmlns:p14="http://schemas.microsoft.com/office/powerpoint/2010/main" val="895950111"/>
-      </p:ext>
-    </p:extLst>
   </p:cSld>
   <p:clrMapOvr>
     <a:masterClrMapping/>
   </p:clrMapOvr>
-  <mc:AlternateContent xmlns:mc="http://schemas.openxmlformats.org/markup-compatibility/2006" xmlns:p14="http://schemas.microsoft.com/office/powerpoint/2010/main">
-    <mc:Choice Requires="p14">
+  <mc:AlternateContent xmlns:mc="http://schemas.openxmlformats.org/markup-compatibility/2006">
+    <mc:Choice xmlns:p14="http://schemas.microsoft.com/office/powerpoint/2010/main" Requires="p14">
       <p:transition spd="slow" p14:dur="1500" advTm="0">
         <p:random/>
       </p:transition>
     </mc:Choice>
-    <mc:Fallback xmlns="">
+    <mc:Fallback>
       <p:transition spd="slow" advTm="0">
         <p:random/>
       </p:transition>
@@ -3013,13 +2671,7 @@
       </p:grpSpPr>
       <p:sp>
         <p:nvSpPr>
-          <p:cNvPr id="2" name="标题 1">
-            <a:extLst>
-              <a:ext uri="{FF2B5EF4-FFF2-40B4-BE49-F238E27FC236}">
-                <a16:creationId xmlns:a16="http://schemas.microsoft.com/office/drawing/2014/main" id="{1D834413-B201-49A4-BEE3-5B9D9033C2B0}"/>
-              </a:ext>
-            </a:extLst>
-          </p:cNvPr>
+          <p:cNvPr id="2" name="标题 1"/>
           <p:cNvSpPr>
             <a:spLocks noGrp="1"/>
           </p:cNvSpPr>
@@ -3045,23 +2697,18 @@
               <a:rPr lang="zh-CN" altLang="en-US"/>
               <a:t>单击此处编辑母版标题样式</a:t>
             </a:r>
-          </a:p>
-        </p:txBody>
-      </p:sp>
-      <p:sp>
-        <p:nvSpPr>
-          <p:cNvPr id="3" name="内容占位符 2">
-            <a:extLst>
-              <a:ext uri="{FF2B5EF4-FFF2-40B4-BE49-F238E27FC236}">
-                <a16:creationId xmlns:a16="http://schemas.microsoft.com/office/drawing/2014/main" id="{BF480519-DEEC-43C5-9742-86D785184599}"/>
-              </a:ext>
-            </a:extLst>
-          </p:cNvPr>
+            <a:endParaRPr lang="zh-CN" altLang="en-US"/>
+          </a:p>
+        </p:txBody>
+      </p:sp>
+      <p:sp>
+        <p:nvSpPr>
+          <p:cNvPr id="3" name="内容占位符 2"/>
           <p:cNvSpPr>
             <a:spLocks noGrp="1"/>
           </p:cNvSpPr>
           <p:nvPr>
-            <p:ph idx="1"/>
+            <p:ph idx="1" hasCustomPrompt="1"/>
           </p:nvPr>
         </p:nvSpPr>
         <p:spPr>
@@ -3107,6 +2754,7 @@
               <a:rPr lang="zh-CN" altLang="en-US"/>
               <a:t>编辑母版文本样式</a:t>
             </a:r>
+            <a:endParaRPr lang="zh-CN" altLang="en-US"/>
           </a:p>
           <a:p>
             <a:pPr lvl="1"/>
@@ -3114,6 +2762,7 @@
               <a:rPr lang="zh-CN" altLang="en-US"/>
               <a:t>第二级</a:t>
             </a:r>
+            <a:endParaRPr lang="zh-CN" altLang="en-US"/>
           </a:p>
           <a:p>
             <a:pPr lvl="2"/>
@@ -3121,6 +2770,7 @@
               <a:rPr lang="zh-CN" altLang="en-US"/>
               <a:t>第三级</a:t>
             </a:r>
+            <a:endParaRPr lang="zh-CN" altLang="en-US"/>
           </a:p>
           <a:p>
             <a:pPr lvl="3"/>
@@ -3128,6 +2778,7 @@
               <a:rPr lang="zh-CN" altLang="en-US"/>
               <a:t>第四级</a:t>
             </a:r>
+            <a:endParaRPr lang="zh-CN" altLang="en-US"/>
           </a:p>
           <a:p>
             <a:pPr lvl="4"/>
@@ -3135,23 +2786,18 @@
               <a:rPr lang="zh-CN" altLang="en-US"/>
               <a:t>第五级</a:t>
             </a:r>
-          </a:p>
-        </p:txBody>
-      </p:sp>
-      <p:sp>
-        <p:nvSpPr>
-          <p:cNvPr id="4" name="文本占位符 3">
-            <a:extLst>
-              <a:ext uri="{FF2B5EF4-FFF2-40B4-BE49-F238E27FC236}">
-                <a16:creationId xmlns:a16="http://schemas.microsoft.com/office/drawing/2014/main" id="{8B144B68-C843-46D5-A4E9-C3D3B87F9A03}"/>
-              </a:ext>
-            </a:extLst>
-          </p:cNvPr>
+            <a:endParaRPr lang="zh-CN" altLang="en-US"/>
+          </a:p>
+        </p:txBody>
+      </p:sp>
+      <p:sp>
+        <p:nvSpPr>
+          <p:cNvPr id="4" name="文本占位符 3"/>
           <p:cNvSpPr>
             <a:spLocks noGrp="1"/>
           </p:cNvSpPr>
           <p:nvPr>
-            <p:ph type="body" sz="half" idx="2"/>
+            <p:ph type="body" sz="half" idx="2" hasCustomPrompt="1"/>
           </p:nvPr>
         </p:nvSpPr>
         <p:spPr>
@@ -3206,18 +2852,13 @@
               <a:rPr lang="zh-CN" altLang="en-US"/>
               <a:t>编辑母版文本样式</a:t>
             </a:r>
-          </a:p>
-        </p:txBody>
-      </p:sp>
-      <p:sp>
-        <p:nvSpPr>
-          <p:cNvPr id="5" name="日期占位符 4">
-            <a:extLst>
-              <a:ext uri="{FF2B5EF4-FFF2-40B4-BE49-F238E27FC236}">
-                <a16:creationId xmlns:a16="http://schemas.microsoft.com/office/drawing/2014/main" id="{45C7CCF4-105B-41AA-BC0E-661B902DEEB0}"/>
-              </a:ext>
-            </a:extLst>
-          </p:cNvPr>
+            <a:endParaRPr lang="zh-CN" altLang="en-US"/>
+          </a:p>
+        </p:txBody>
+      </p:sp>
+      <p:sp>
+        <p:nvSpPr>
+          <p:cNvPr id="5" name="日期占位符 4"/>
           <p:cNvSpPr>
             <a:spLocks noGrp="1"/>
           </p:cNvSpPr>
@@ -3232,7 +2873,6 @@
           <a:p>
             <a:fld id="{2CE7B598-0A54-44D8-A998-C82D12D838CD}" type="datetimeFigureOut">
               <a:rPr lang="zh-CN" altLang="en-US" smtClean="0"/>
-              <a:t>2021/4/18</a:t>
             </a:fld>
             <a:endParaRPr lang="zh-CN" altLang="en-US"/>
           </a:p>
@@ -3240,13 +2880,7 @@
       </p:sp>
       <p:sp>
         <p:nvSpPr>
-          <p:cNvPr id="6" name="页脚占位符 5">
-            <a:extLst>
-              <a:ext uri="{FF2B5EF4-FFF2-40B4-BE49-F238E27FC236}">
-                <a16:creationId xmlns:a16="http://schemas.microsoft.com/office/drawing/2014/main" id="{9EC9B7DA-C55A-449C-99AC-290213478364}"/>
-              </a:ext>
-            </a:extLst>
-          </p:cNvPr>
+          <p:cNvPr id="6" name="页脚占位符 5"/>
           <p:cNvSpPr>
             <a:spLocks noGrp="1"/>
           </p:cNvSpPr>
@@ -3265,13 +2899,7 @@
       </p:sp>
       <p:sp>
         <p:nvSpPr>
-          <p:cNvPr id="7" name="灯片编号占位符 6">
-            <a:extLst>
-              <a:ext uri="{FF2B5EF4-FFF2-40B4-BE49-F238E27FC236}">
-                <a16:creationId xmlns:a16="http://schemas.microsoft.com/office/drawing/2014/main" id="{546681AE-006D-4572-913C-7DE8A701B0BA}"/>
-              </a:ext>
-            </a:extLst>
-          </p:cNvPr>
+          <p:cNvPr id="7" name="灯片编号占位符 6"/>
           <p:cNvSpPr>
             <a:spLocks noGrp="1"/>
           </p:cNvSpPr>
@@ -3286,29 +2914,23 @@
           <a:p>
             <a:fld id="{195DF8BB-3426-49E0-9D36-69DE378B8EB3}" type="slidenum">
               <a:rPr lang="zh-CN" altLang="en-US" smtClean="0"/>
-              <a:t>‹#›</a:t>
             </a:fld>
             <a:endParaRPr lang="zh-CN" altLang="en-US"/>
           </a:p>
         </p:txBody>
       </p:sp>
     </p:spTree>
-    <p:extLst>
-      <p:ext uri="{BB962C8B-B14F-4D97-AF65-F5344CB8AC3E}">
-        <p14:creationId xmlns:p14="http://schemas.microsoft.com/office/powerpoint/2010/main" val="1838804110"/>
-      </p:ext>
-    </p:extLst>
   </p:cSld>
   <p:clrMapOvr>
     <a:masterClrMapping/>
   </p:clrMapOvr>
-  <mc:AlternateContent xmlns:mc="http://schemas.openxmlformats.org/markup-compatibility/2006" xmlns:p14="http://schemas.microsoft.com/office/powerpoint/2010/main">
-    <mc:Choice Requires="p14">
+  <mc:AlternateContent xmlns:mc="http://schemas.openxmlformats.org/markup-compatibility/2006">
+    <mc:Choice xmlns:p14="http://schemas.microsoft.com/office/powerpoint/2010/main" Requires="p14">
       <p:transition spd="slow" p14:dur="1500" advTm="0">
         <p:random/>
       </p:transition>
     </mc:Choice>
-    <mc:Fallback xmlns="">
+    <mc:Fallback>
       <p:transition spd="slow" advTm="0">
         <p:random/>
       </p:transition>
@@ -3336,13 +2958,7 @@
       </p:grpSpPr>
       <p:sp>
         <p:nvSpPr>
-          <p:cNvPr id="2" name="标题 1">
-            <a:extLst>
-              <a:ext uri="{FF2B5EF4-FFF2-40B4-BE49-F238E27FC236}">
-                <a16:creationId xmlns:a16="http://schemas.microsoft.com/office/drawing/2014/main" id="{6200A525-F547-4630-A23D-20D8EC341113}"/>
-              </a:ext>
-            </a:extLst>
-          </p:cNvPr>
+          <p:cNvPr id="2" name="标题 1"/>
           <p:cNvSpPr>
             <a:spLocks noGrp="1"/>
           </p:cNvSpPr>
@@ -3368,18 +2984,13 @@
               <a:rPr lang="zh-CN" altLang="en-US"/>
               <a:t>单击此处编辑母版标题样式</a:t>
             </a:r>
-          </a:p>
-        </p:txBody>
-      </p:sp>
-      <p:sp>
-        <p:nvSpPr>
-          <p:cNvPr id="3" name="图片占位符 2">
-            <a:extLst>
-              <a:ext uri="{FF2B5EF4-FFF2-40B4-BE49-F238E27FC236}">
-                <a16:creationId xmlns:a16="http://schemas.microsoft.com/office/drawing/2014/main" id="{B8AE9BF8-86B9-4C84-93E7-B0A74F4EA92D}"/>
-              </a:ext>
-            </a:extLst>
-          </p:cNvPr>
+            <a:endParaRPr lang="zh-CN" altLang="en-US"/>
+          </a:p>
+        </p:txBody>
+      </p:sp>
+      <p:sp>
+        <p:nvSpPr>
+          <p:cNvPr id="3" name="图片占位符 2"/>
           <p:cNvSpPr>
             <a:spLocks noGrp="1"/>
           </p:cNvSpPr>
@@ -3440,18 +3051,12 @@
       </p:sp>
       <p:sp>
         <p:nvSpPr>
-          <p:cNvPr id="4" name="文本占位符 3">
-            <a:extLst>
-              <a:ext uri="{FF2B5EF4-FFF2-40B4-BE49-F238E27FC236}">
-                <a16:creationId xmlns:a16="http://schemas.microsoft.com/office/drawing/2014/main" id="{1E30543A-D215-459D-AFE7-FD2F48E18BFE}"/>
-              </a:ext>
-            </a:extLst>
-          </p:cNvPr>
+          <p:cNvPr id="4" name="文本占位符 3"/>
           <p:cNvSpPr>
             <a:spLocks noGrp="1"/>
           </p:cNvSpPr>
           <p:nvPr>
-            <p:ph type="body" sz="half" idx="2"/>
+            <p:ph type="body" sz="half" idx="2" hasCustomPrompt="1"/>
           </p:nvPr>
         </p:nvSpPr>
         <p:spPr>
@@ -3506,18 +3111,13 @@
               <a:rPr lang="zh-CN" altLang="en-US"/>
               <a:t>编辑母版文本样式</a:t>
             </a:r>
-          </a:p>
-        </p:txBody>
-      </p:sp>
-      <p:sp>
-        <p:nvSpPr>
-          <p:cNvPr id="5" name="日期占位符 4">
-            <a:extLst>
-              <a:ext uri="{FF2B5EF4-FFF2-40B4-BE49-F238E27FC236}">
-                <a16:creationId xmlns:a16="http://schemas.microsoft.com/office/drawing/2014/main" id="{E57A12AB-E5ED-4872-A42F-E7B9E0D4C632}"/>
-              </a:ext>
-            </a:extLst>
-          </p:cNvPr>
+            <a:endParaRPr lang="zh-CN" altLang="en-US"/>
+          </a:p>
+        </p:txBody>
+      </p:sp>
+      <p:sp>
+        <p:nvSpPr>
+          <p:cNvPr id="5" name="日期占位符 4"/>
           <p:cNvSpPr>
             <a:spLocks noGrp="1"/>
           </p:cNvSpPr>
@@ -3532,7 +3132,6 @@
           <a:p>
             <a:fld id="{2CE7B598-0A54-44D8-A998-C82D12D838CD}" type="datetimeFigureOut">
               <a:rPr lang="zh-CN" altLang="en-US" smtClean="0"/>
-              <a:t>2021/4/18</a:t>
             </a:fld>
             <a:endParaRPr lang="zh-CN" altLang="en-US"/>
           </a:p>
@@ -3540,13 +3139,7 @@
       </p:sp>
       <p:sp>
         <p:nvSpPr>
-          <p:cNvPr id="6" name="页脚占位符 5">
-            <a:extLst>
-              <a:ext uri="{FF2B5EF4-FFF2-40B4-BE49-F238E27FC236}">
-                <a16:creationId xmlns:a16="http://schemas.microsoft.com/office/drawing/2014/main" id="{A79E6E28-8872-4D95-8CF0-13FC8FD8D4D2}"/>
-              </a:ext>
-            </a:extLst>
-          </p:cNvPr>
+          <p:cNvPr id="6" name="页脚占位符 5"/>
           <p:cNvSpPr>
             <a:spLocks noGrp="1"/>
           </p:cNvSpPr>
@@ -3565,13 +3158,7 @@
       </p:sp>
       <p:sp>
         <p:nvSpPr>
-          <p:cNvPr id="7" name="灯片编号占位符 6">
-            <a:extLst>
-              <a:ext uri="{FF2B5EF4-FFF2-40B4-BE49-F238E27FC236}">
-                <a16:creationId xmlns:a16="http://schemas.microsoft.com/office/drawing/2014/main" id="{A863D4A3-1AFC-4839-9288-8AFC02CC8652}"/>
-              </a:ext>
-            </a:extLst>
-          </p:cNvPr>
+          <p:cNvPr id="7" name="灯片编号占位符 6"/>
           <p:cNvSpPr>
             <a:spLocks noGrp="1"/>
           </p:cNvSpPr>
@@ -3586,29 +3173,23 @@
           <a:p>
             <a:fld id="{195DF8BB-3426-49E0-9D36-69DE378B8EB3}" type="slidenum">
               <a:rPr lang="zh-CN" altLang="en-US" smtClean="0"/>
-              <a:t>‹#›</a:t>
             </a:fld>
             <a:endParaRPr lang="zh-CN" altLang="en-US"/>
           </a:p>
         </p:txBody>
       </p:sp>
     </p:spTree>
-    <p:extLst>
-      <p:ext uri="{BB962C8B-B14F-4D97-AF65-F5344CB8AC3E}">
-        <p14:creationId xmlns:p14="http://schemas.microsoft.com/office/powerpoint/2010/main" val="1045317325"/>
-      </p:ext>
-    </p:extLst>
   </p:cSld>
   <p:clrMapOvr>
     <a:masterClrMapping/>
   </p:clrMapOvr>
-  <mc:AlternateContent xmlns:mc="http://schemas.openxmlformats.org/markup-compatibility/2006" xmlns:p14="http://schemas.microsoft.com/office/powerpoint/2010/main">
-    <mc:Choice Requires="p14">
+  <mc:AlternateContent xmlns:mc="http://schemas.openxmlformats.org/markup-compatibility/2006">
+    <mc:Choice xmlns:p14="http://schemas.microsoft.com/office/powerpoint/2010/main" Requires="p14">
       <p:transition spd="slow" p14:dur="1500" advTm="0">
         <p:random/>
       </p:transition>
     </mc:Choice>
-    <mc:Fallback xmlns="">
+    <mc:Fallback>
       <p:transition spd="slow" advTm="0">
         <p:random/>
       </p:transition>
@@ -3641,13 +3222,7 @@
       </p:grpSpPr>
       <p:sp>
         <p:nvSpPr>
-          <p:cNvPr id="2" name="标题占位符 1">
-            <a:extLst>
-              <a:ext uri="{FF2B5EF4-FFF2-40B4-BE49-F238E27FC236}">
-                <a16:creationId xmlns:a16="http://schemas.microsoft.com/office/drawing/2014/main" id="{DD6063D1-340A-4DC9-ABBE-D50E37E9FE38}"/>
-              </a:ext>
-            </a:extLst>
-          </p:cNvPr>
+          <p:cNvPr id="2" name="标题占位符 1"/>
           <p:cNvSpPr>
             <a:spLocks noGrp="1"/>
           </p:cNvSpPr>
@@ -3674,18 +3249,13 @@
               <a:rPr lang="zh-CN" altLang="en-US"/>
               <a:t>单击此处编辑母版标题样式</a:t>
             </a:r>
-          </a:p>
-        </p:txBody>
-      </p:sp>
-      <p:sp>
-        <p:nvSpPr>
-          <p:cNvPr id="3" name="文本占位符 2">
-            <a:extLst>
-              <a:ext uri="{FF2B5EF4-FFF2-40B4-BE49-F238E27FC236}">
-                <a16:creationId xmlns:a16="http://schemas.microsoft.com/office/drawing/2014/main" id="{9C830B03-6423-4968-9D06-41886C601E34}"/>
-              </a:ext>
-            </a:extLst>
-          </p:cNvPr>
+            <a:endParaRPr lang="zh-CN" altLang="en-US"/>
+          </a:p>
+        </p:txBody>
+      </p:sp>
+      <p:sp>
+        <p:nvSpPr>
+          <p:cNvPr id="3" name="文本占位符 2"/>
           <p:cNvSpPr>
             <a:spLocks noGrp="1"/>
           </p:cNvSpPr>
@@ -3713,6 +3283,7 @@
               <a:rPr lang="zh-CN" altLang="en-US"/>
               <a:t>编辑母版文本样式</a:t>
             </a:r>
+            <a:endParaRPr lang="zh-CN" altLang="en-US"/>
           </a:p>
           <a:p>
             <a:pPr lvl="1"/>
@@ -3720,6 +3291,7 @@
               <a:rPr lang="zh-CN" altLang="en-US"/>
               <a:t>第二级</a:t>
             </a:r>
+            <a:endParaRPr lang="zh-CN" altLang="en-US"/>
           </a:p>
           <a:p>
             <a:pPr lvl="2"/>
@@ -3727,6 +3299,7 @@
               <a:rPr lang="zh-CN" altLang="en-US"/>
               <a:t>第三级</a:t>
             </a:r>
+            <a:endParaRPr lang="zh-CN" altLang="en-US"/>
           </a:p>
           <a:p>
             <a:pPr lvl="3"/>
@@ -3734,6 +3307,7 @@
               <a:rPr lang="zh-CN" altLang="en-US"/>
               <a:t>第四级</a:t>
             </a:r>
+            <a:endParaRPr lang="zh-CN" altLang="en-US"/>
           </a:p>
           <a:p>
             <a:pPr lvl="4"/>
@@ -3741,18 +3315,13 @@
               <a:rPr lang="zh-CN" altLang="en-US"/>
               <a:t>第五级</a:t>
             </a:r>
-          </a:p>
-        </p:txBody>
-      </p:sp>
-      <p:sp>
-        <p:nvSpPr>
-          <p:cNvPr id="4" name="日期占位符 3">
-            <a:extLst>
-              <a:ext uri="{FF2B5EF4-FFF2-40B4-BE49-F238E27FC236}">
-                <a16:creationId xmlns:a16="http://schemas.microsoft.com/office/drawing/2014/main" id="{C9322981-8E74-4DE8-804A-1D110825322C}"/>
-              </a:ext>
-            </a:extLst>
-          </p:cNvPr>
+            <a:endParaRPr lang="zh-CN" altLang="en-US"/>
+          </a:p>
+        </p:txBody>
+      </p:sp>
+      <p:sp>
+        <p:nvSpPr>
+          <p:cNvPr id="4" name="日期占位符 3"/>
           <p:cNvSpPr>
             <a:spLocks noGrp="1"/>
           </p:cNvSpPr>
@@ -3785,7 +3354,6 @@
           <a:p>
             <a:fld id="{2CE7B598-0A54-44D8-A998-C82D12D838CD}" type="datetimeFigureOut">
               <a:rPr lang="zh-CN" altLang="en-US" smtClean="0"/>
-              <a:t>2021/4/18</a:t>
             </a:fld>
             <a:endParaRPr lang="zh-CN" altLang="en-US"/>
           </a:p>
@@ -3793,13 +3361,7 @@
       </p:sp>
       <p:sp>
         <p:nvSpPr>
-          <p:cNvPr id="5" name="页脚占位符 4">
-            <a:extLst>
-              <a:ext uri="{FF2B5EF4-FFF2-40B4-BE49-F238E27FC236}">
-                <a16:creationId xmlns:a16="http://schemas.microsoft.com/office/drawing/2014/main" id="{BE1F9DEC-7387-4D66-B7AB-D2491B3721E8}"/>
-              </a:ext>
-            </a:extLst>
-          </p:cNvPr>
+          <p:cNvPr id="5" name="页脚占位符 4"/>
           <p:cNvSpPr>
             <a:spLocks noGrp="1"/>
           </p:cNvSpPr>
@@ -3836,13 +3398,7 @@
       </p:sp>
       <p:sp>
         <p:nvSpPr>
-          <p:cNvPr id="6" name="灯片编号占位符 5">
-            <a:extLst>
-              <a:ext uri="{FF2B5EF4-FFF2-40B4-BE49-F238E27FC236}">
-                <a16:creationId xmlns:a16="http://schemas.microsoft.com/office/drawing/2014/main" id="{25B1FD39-E954-4AD0-8F65-1FC96D6273FD}"/>
-              </a:ext>
-            </a:extLst>
-          </p:cNvPr>
+          <p:cNvPr id="6" name="灯片编号占位符 5"/>
           <p:cNvSpPr>
             <a:spLocks noGrp="1"/>
           </p:cNvSpPr>
@@ -3875,18 +3431,12 @@
           <a:p>
             <a:fld id="{195DF8BB-3426-49E0-9D36-69DE378B8EB3}" type="slidenum">
               <a:rPr lang="zh-CN" altLang="en-US" smtClean="0"/>
-              <a:t>‹#›</a:t>
             </a:fld>
             <a:endParaRPr lang="zh-CN" altLang="en-US"/>
           </a:p>
         </p:txBody>
       </p:sp>
     </p:spTree>
-    <p:extLst>
-      <p:ext uri="{BB962C8B-B14F-4D97-AF65-F5344CB8AC3E}">
-        <p14:creationId xmlns:p14="http://schemas.microsoft.com/office/powerpoint/2010/main" val="1644269060"/>
-      </p:ext>
-    </p:extLst>
   </p:cSld>
   <p:clrMap bg1="lt1" tx1="dk1" bg2="lt2" tx2="dk2" accent1="accent1" accent2="accent2" accent3="accent3" accent4="accent4" accent5="accent5" accent6="accent6" hlink="hlink" folHlink="folHlink"/>
   <p:sldLayoutIdLst>
@@ -3902,13 +3452,13 @@
     <p:sldLayoutId id="2147483658" r:id="rId10"/>
     <p:sldLayoutId id="2147483659" r:id="rId11"/>
   </p:sldLayoutIdLst>
-  <mc:AlternateContent xmlns:mc="http://schemas.openxmlformats.org/markup-compatibility/2006" xmlns:p14="http://schemas.microsoft.com/office/powerpoint/2010/main">
-    <mc:Choice Requires="p14">
+  <mc:AlternateContent xmlns:mc="http://schemas.openxmlformats.org/markup-compatibility/2006">
+    <mc:Choice xmlns:p14="http://schemas.microsoft.com/office/powerpoint/2010/main" Requires="p14">
       <p:transition spd="slow" p14:dur="1500" advTm="0">
         <p:random/>
       </p:transition>
     </mc:Choice>
-    <mc:Fallback xmlns="">
+    <mc:Fallback>
       <p:transition spd="slow" advTm="0">
         <p:random/>
       </p:transition>
@@ -4220,11 +3770,6 @@
         </a:xfrm>
       </p:grpSpPr>
     </p:spTree>
-    <p:extLst>
-      <p:ext uri="{BB962C8B-B14F-4D97-AF65-F5344CB8AC3E}">
-        <p14:creationId xmlns:p14="http://schemas.microsoft.com/office/powerpoint/2010/main" val="3633203553"/>
-      </p:ext>
-    </p:extLst>
   </p:cSld>
   <p:clrMap bg1="lt1" tx1="dk1" bg2="lt2" tx2="dk2" accent1="accent1" accent2="accent2" accent3="accent3" accent4="accent4" accent5="accent5" accent6="accent6" hlink="hlink" folHlink="folHlink"/>
   <p:sldLayoutIdLst>
@@ -4504,13 +4049,7 @@
       </p:grpSpPr>
       <p:sp>
         <p:nvSpPr>
-          <p:cNvPr id="9" name="矩形: 圆角 8">
-            <a:extLst>
-              <a:ext uri="{FF2B5EF4-FFF2-40B4-BE49-F238E27FC236}">
-                <a16:creationId xmlns:a16="http://schemas.microsoft.com/office/drawing/2014/main" id="{21408045-FBCC-45D8-8F3E-6A970189461C}"/>
-              </a:ext>
-            </a:extLst>
-          </p:cNvPr>
+          <p:cNvPr id="9" name="矩形: 圆角 8"/>
           <p:cNvSpPr/>
           <p:nvPr/>
         </p:nvSpPr>
@@ -4608,26 +4147,17 @@
       </p:sp>
       <p:pic>
         <p:nvPicPr>
-          <p:cNvPr id="13" name="图形 12" descr="讲师">
-            <a:extLst>
-              <a:ext uri="{FF2B5EF4-FFF2-40B4-BE49-F238E27FC236}">
-                <a16:creationId xmlns:a16="http://schemas.microsoft.com/office/drawing/2014/main" id="{F26CBB10-C103-44A7-BA09-70E83DA44395}"/>
-              </a:ext>
-            </a:extLst>
-          </p:cNvPr>
+          <p:cNvPr id="13" name="图形 12" descr="讲师"/>
           <p:cNvPicPr>
             <a:picLocks noChangeAspect="1"/>
           </p:cNvPicPr>
           <p:nvPr/>
         </p:nvPicPr>
         <p:blipFill>
-          <a:blip r:embed="rId2" cstate="screen">
+          <a:blip r:embed="rId1" cstate="screen">
             <a:extLst>
-              <a:ext uri="{28A0092B-C50C-407E-A947-70E740481C1C}">
-                <a14:useLocalDpi xmlns:a14="http://schemas.microsoft.com/office/drawing/2010/main"/>
-              </a:ext>
               <a:ext uri="{96DAC541-7B7A-43D3-8B79-37D633B846F1}">
-                <asvg:svgBlip xmlns:asvg="http://schemas.microsoft.com/office/drawing/2016/SVG/main" r:embed="rId3"/>
+                <asvg:svgBlip xmlns:asvg="http://schemas.microsoft.com/office/drawing/2016/SVG/main" r:embed="rId2"/>
               </a:ext>
             </a:extLst>
           </a:blip>
@@ -4647,26 +4177,17 @@
       </p:pic>
       <p:pic>
         <p:nvPicPr>
-          <p:cNvPr id="15" name="图形 14" descr="教师">
-            <a:extLst>
-              <a:ext uri="{FF2B5EF4-FFF2-40B4-BE49-F238E27FC236}">
-                <a16:creationId xmlns:a16="http://schemas.microsoft.com/office/drawing/2014/main" id="{172C7AF8-F0F5-463E-BF13-2BB5FCD162C4}"/>
-              </a:ext>
-            </a:extLst>
-          </p:cNvPr>
+          <p:cNvPr id="15" name="图形 14" descr="教师"/>
           <p:cNvPicPr>
             <a:picLocks noChangeAspect="1"/>
           </p:cNvPicPr>
           <p:nvPr/>
         </p:nvPicPr>
         <p:blipFill>
-          <a:blip r:embed="rId4" cstate="screen">
+          <a:blip r:embed="rId3" cstate="screen">
             <a:extLst>
-              <a:ext uri="{28A0092B-C50C-407E-A947-70E740481C1C}">
-                <a14:useLocalDpi xmlns:a14="http://schemas.microsoft.com/office/drawing/2010/main"/>
-              </a:ext>
               <a:ext uri="{96DAC541-7B7A-43D3-8B79-37D633B846F1}">
-                <asvg:svgBlip xmlns:asvg="http://schemas.microsoft.com/office/drawing/2016/SVG/main" r:embed="rId5"/>
+                <asvg:svgBlip xmlns:asvg="http://schemas.microsoft.com/office/drawing/2016/SVG/main" r:embed="rId4"/>
               </a:ext>
             </a:extLst>
           </a:blip>
@@ -4686,13 +4207,7 @@
       </p:pic>
       <p:sp>
         <p:nvSpPr>
-          <p:cNvPr id="16" name="矩形 15">
-            <a:extLst>
-              <a:ext uri="{FF2B5EF4-FFF2-40B4-BE49-F238E27FC236}">
-                <a16:creationId xmlns:a16="http://schemas.microsoft.com/office/drawing/2014/main" id="{F9CD2F2E-C54E-455B-93AA-84E5F1BD0DCA}"/>
-              </a:ext>
-            </a:extLst>
-          </p:cNvPr>
+          <p:cNvPr id="16" name="矩形 15"/>
           <p:cNvSpPr/>
           <p:nvPr/>
         </p:nvSpPr>
@@ -4752,13 +4267,7 @@
       </p:sp>
       <p:sp>
         <p:nvSpPr>
-          <p:cNvPr id="17" name="矩形 16">
-            <a:extLst>
-              <a:ext uri="{FF2B5EF4-FFF2-40B4-BE49-F238E27FC236}">
-                <a16:creationId xmlns:a16="http://schemas.microsoft.com/office/drawing/2014/main" id="{2525C1EF-1ED3-4F01-BB12-A6193999568D}"/>
-              </a:ext>
-            </a:extLst>
-          </p:cNvPr>
+          <p:cNvPr id="17" name="矩形 16"/>
           <p:cNvSpPr/>
           <p:nvPr/>
         </p:nvSpPr>
@@ -4790,26 +4299,31 @@
               </a:rPr>
               <a:t>演讲人： 随机</a:t>
             </a:r>
+            <a:endParaRPr lang="zh-CN" altLang="en-US" dirty="0">
+              <a:solidFill>
+                <a:schemeClr val="tx1">
+                  <a:lumMod val="75000"/>
+                  <a:lumOff val="25000"/>
+                </a:schemeClr>
+              </a:solidFill>
+              <a:cs typeface="+mn-ea"/>
+              <a:sym typeface="+mn-lt"/>
+            </a:endParaRPr>
           </a:p>
         </p:txBody>
       </p:sp>
     </p:spTree>
-    <p:extLst>
-      <p:ext uri="{BB962C8B-B14F-4D97-AF65-F5344CB8AC3E}">
-        <p14:creationId xmlns:p14="http://schemas.microsoft.com/office/powerpoint/2010/main" val="3390431392"/>
-      </p:ext>
-    </p:extLst>
   </p:cSld>
   <p:clrMapOvr>
     <a:masterClrMapping/>
   </p:clrMapOvr>
-  <mc:AlternateContent xmlns:mc="http://schemas.openxmlformats.org/markup-compatibility/2006" xmlns:p14="http://schemas.microsoft.com/office/powerpoint/2010/main">
-    <mc:Choice Requires="p14">
+  <mc:AlternateContent xmlns:mc="http://schemas.openxmlformats.org/markup-compatibility/2006">
+    <mc:Choice xmlns:p14="http://schemas.microsoft.com/office/powerpoint/2010/main" Requires="p14">
       <p:transition spd="slow" p14:dur="1500" advTm="0">
         <p:random/>
       </p:transition>
     </mc:Choice>
-    <mc:Fallback xmlns="">
+    <mc:Fallback>
       <p:transition spd="slow" advTm="0">
         <p:random/>
       </p:transition>
@@ -4837,13 +4351,7 @@
       </p:grpSpPr>
       <p:sp>
         <p:nvSpPr>
-          <p:cNvPr id="24" name="标题 23">
-            <a:extLst>
-              <a:ext uri="{FF2B5EF4-FFF2-40B4-BE49-F238E27FC236}">
-                <a16:creationId xmlns:a16="http://schemas.microsoft.com/office/drawing/2014/main" id="{790A44B7-A58D-4CB2-9CFF-C5072CB867B6}"/>
-              </a:ext>
-            </a:extLst>
-          </p:cNvPr>
+          <p:cNvPr id="24" name="标题 23"/>
           <p:cNvSpPr>
             <a:spLocks noGrp="1"/>
           </p:cNvSpPr>
@@ -4861,22 +4369,17 @@
         </p:txBody>
       </p:sp>
     </p:spTree>
-    <p:extLst>
-      <p:ext uri="{BB962C8B-B14F-4D97-AF65-F5344CB8AC3E}">
-        <p14:creationId xmlns:p14="http://schemas.microsoft.com/office/powerpoint/2010/main" val="2926835817"/>
-      </p:ext>
-    </p:extLst>
   </p:cSld>
   <p:clrMapOvr>
     <a:masterClrMapping/>
   </p:clrMapOvr>
-  <mc:AlternateContent xmlns:mc="http://schemas.openxmlformats.org/markup-compatibility/2006" xmlns:p14="http://schemas.microsoft.com/office/powerpoint/2010/main">
-    <mc:Choice Requires="p14">
+  <mc:AlternateContent xmlns:mc="http://schemas.openxmlformats.org/markup-compatibility/2006">
+    <mc:Choice xmlns:p14="http://schemas.microsoft.com/office/powerpoint/2010/main" Requires="p14">
       <p:transition spd="slow" p14:dur="1500" advTm="0">
         <p:random/>
       </p:transition>
     </mc:Choice>
-    <mc:Fallback xmlns="">
+    <mc:Fallback>
       <p:transition spd="slow" advTm="0">
         <p:random/>
       </p:transition>
@@ -4904,13 +4407,7 @@
       </p:grpSpPr>
       <p:sp>
         <p:nvSpPr>
-          <p:cNvPr id="9" name="标题 8">
-            <a:extLst>
-              <a:ext uri="{FF2B5EF4-FFF2-40B4-BE49-F238E27FC236}">
-                <a16:creationId xmlns:a16="http://schemas.microsoft.com/office/drawing/2014/main" id="{CA1280B0-2049-4CDE-99B0-7A966143990E}"/>
-              </a:ext>
-            </a:extLst>
-          </p:cNvPr>
+          <p:cNvPr id="9" name="标题 8"/>
           <p:cNvSpPr>
             <a:spLocks noGrp="1"/>
           </p:cNvSpPr>
@@ -4928,22 +4425,17 @@
         </p:txBody>
       </p:sp>
     </p:spTree>
-    <p:extLst>
-      <p:ext uri="{BB962C8B-B14F-4D97-AF65-F5344CB8AC3E}">
-        <p14:creationId xmlns:p14="http://schemas.microsoft.com/office/powerpoint/2010/main" val="4121728235"/>
-      </p:ext>
-    </p:extLst>
   </p:cSld>
   <p:clrMapOvr>
     <a:masterClrMapping/>
   </p:clrMapOvr>
-  <mc:AlternateContent xmlns:mc="http://schemas.openxmlformats.org/markup-compatibility/2006" xmlns:p14="http://schemas.microsoft.com/office/powerpoint/2010/main">
-    <mc:Choice Requires="p14">
+  <mc:AlternateContent xmlns:mc="http://schemas.openxmlformats.org/markup-compatibility/2006">
+    <mc:Choice xmlns:p14="http://schemas.microsoft.com/office/powerpoint/2010/main" Requires="p14">
       <p:transition spd="slow" p14:dur="1500" advTm="0">
         <p:random/>
       </p:transition>
     </mc:Choice>
-    <mc:Fallback xmlns="">
+    <mc:Fallback>
       <p:transition spd="slow" advTm="0">
         <p:random/>
       </p:transition>
@@ -4971,13 +4463,7 @@
       </p:grpSpPr>
       <p:sp>
         <p:nvSpPr>
-          <p:cNvPr id="5" name="标题 4">
-            <a:extLst>
-              <a:ext uri="{FF2B5EF4-FFF2-40B4-BE49-F238E27FC236}">
-                <a16:creationId xmlns:a16="http://schemas.microsoft.com/office/drawing/2014/main" id="{3F88DEAE-C5FD-4397-9763-9F027B3BE369}"/>
-              </a:ext>
-            </a:extLst>
-          </p:cNvPr>
+          <p:cNvPr id="5" name="标题 4"/>
           <p:cNvSpPr>
             <a:spLocks noGrp="1"/>
           </p:cNvSpPr>
@@ -4995,22 +4481,17 @@
         </p:txBody>
       </p:sp>
     </p:spTree>
-    <p:extLst>
-      <p:ext uri="{BB962C8B-B14F-4D97-AF65-F5344CB8AC3E}">
-        <p14:creationId xmlns:p14="http://schemas.microsoft.com/office/powerpoint/2010/main" val="331798897"/>
-      </p:ext>
-    </p:extLst>
   </p:cSld>
   <p:clrMapOvr>
     <a:masterClrMapping/>
   </p:clrMapOvr>
-  <mc:AlternateContent xmlns:mc="http://schemas.openxmlformats.org/markup-compatibility/2006" xmlns:p14="http://schemas.microsoft.com/office/powerpoint/2010/main">
-    <mc:Choice Requires="p14">
+  <mc:AlternateContent xmlns:mc="http://schemas.openxmlformats.org/markup-compatibility/2006">
+    <mc:Choice xmlns:p14="http://schemas.microsoft.com/office/powerpoint/2010/main" Requires="p14">
       <p:transition spd="slow" p14:dur="1500" advTm="0">
         <p:random/>
       </p:transition>
     </mc:Choice>
-    <mc:Fallback xmlns="">
+    <mc:Fallback>
       <p:transition spd="slow" advTm="0">
         <p:random/>
       </p:transition>
@@ -5038,13 +4519,7 @@
       </p:grpSpPr>
       <p:sp>
         <p:nvSpPr>
-          <p:cNvPr id="5" name="标题 4">
-            <a:extLst>
-              <a:ext uri="{FF2B5EF4-FFF2-40B4-BE49-F238E27FC236}">
-                <a16:creationId xmlns:a16="http://schemas.microsoft.com/office/drawing/2014/main" id="{ECC56788-E9BC-401E-9B6F-83CD504C667E}"/>
-              </a:ext>
-            </a:extLst>
-          </p:cNvPr>
+          <p:cNvPr id="5" name="标题 4"/>
           <p:cNvSpPr>
             <a:spLocks noGrp="1"/>
           </p:cNvSpPr>
@@ -5062,22 +4537,17 @@
         </p:txBody>
       </p:sp>
     </p:spTree>
-    <p:extLst>
-      <p:ext uri="{BB962C8B-B14F-4D97-AF65-F5344CB8AC3E}">
-        <p14:creationId xmlns:p14="http://schemas.microsoft.com/office/powerpoint/2010/main" val="2935848300"/>
-      </p:ext>
-    </p:extLst>
   </p:cSld>
   <p:clrMapOvr>
     <a:masterClrMapping/>
   </p:clrMapOvr>
-  <mc:AlternateContent xmlns:mc="http://schemas.openxmlformats.org/markup-compatibility/2006" xmlns:p14="http://schemas.microsoft.com/office/powerpoint/2010/main">
-    <mc:Choice Requires="p14">
+  <mc:AlternateContent xmlns:mc="http://schemas.openxmlformats.org/markup-compatibility/2006">
+    <mc:Choice xmlns:p14="http://schemas.microsoft.com/office/powerpoint/2010/main" Requires="p14">
       <p:transition spd="slow" p14:dur="1500" advTm="0">
         <p:random/>
       </p:transition>
     </mc:Choice>
-    <mc:Fallback xmlns="">
+    <mc:Fallback>
       <p:transition spd="slow" advTm="0">
         <p:random/>
       </p:transition>
@@ -5105,13 +4575,7 @@
       </p:grpSpPr>
       <p:sp>
         <p:nvSpPr>
-          <p:cNvPr id="5" name="标题 4">
-            <a:extLst>
-              <a:ext uri="{FF2B5EF4-FFF2-40B4-BE49-F238E27FC236}">
-                <a16:creationId xmlns:a16="http://schemas.microsoft.com/office/drawing/2014/main" id="{0D90F086-3077-4054-8BBC-21093B1D187E}"/>
-              </a:ext>
-            </a:extLst>
-          </p:cNvPr>
+          <p:cNvPr id="5" name="标题 4"/>
           <p:cNvSpPr>
             <a:spLocks noGrp="1"/>
           </p:cNvSpPr>
@@ -5129,22 +4593,17 @@
         </p:txBody>
       </p:sp>
     </p:spTree>
-    <p:extLst>
-      <p:ext uri="{BB962C8B-B14F-4D97-AF65-F5344CB8AC3E}">
-        <p14:creationId xmlns:p14="http://schemas.microsoft.com/office/powerpoint/2010/main" val="2200194120"/>
-      </p:ext>
-    </p:extLst>
   </p:cSld>
   <p:clrMapOvr>
     <a:masterClrMapping/>
   </p:clrMapOvr>
-  <mc:AlternateContent xmlns:mc="http://schemas.openxmlformats.org/markup-compatibility/2006" xmlns:p14="http://schemas.microsoft.com/office/powerpoint/2010/main">
-    <mc:Choice Requires="p14">
+  <mc:AlternateContent xmlns:mc="http://schemas.openxmlformats.org/markup-compatibility/2006">
+    <mc:Choice xmlns:p14="http://schemas.microsoft.com/office/powerpoint/2010/main" Requires="p14">
       <p:transition spd="slow" p14:dur="1500" advTm="0">
         <p:random/>
       </p:transition>
     </mc:Choice>
-    <mc:Fallback xmlns="">
+    <mc:Fallback>
       <p:transition spd="slow" advTm="0">
         <p:random/>
       </p:transition>
@@ -5172,13 +4631,7 @@
       </p:grpSpPr>
       <p:sp>
         <p:nvSpPr>
-          <p:cNvPr id="5" name="矩形 4">
-            <a:extLst>
-              <a:ext uri="{FF2B5EF4-FFF2-40B4-BE49-F238E27FC236}">
-                <a16:creationId xmlns:a16="http://schemas.microsoft.com/office/drawing/2014/main" id="{CCB51F44-A755-42AC-B92B-6FC554FC4272}"/>
-              </a:ext>
-            </a:extLst>
-          </p:cNvPr>
+          <p:cNvPr id="5" name="矩形 4"/>
           <p:cNvSpPr/>
           <p:nvPr/>
         </p:nvSpPr>
@@ -5191,13 +4644,7 @@
             <a:avLst/>
           </a:prstGeom>
           <a:blipFill dpi="0" rotWithShape="1">
-            <a:blip r:embed="rId2" cstate="screen">
-              <a:extLst>
-                <a:ext uri="{28A0092B-C50C-407E-A947-70E740481C1C}">
-                  <a14:useLocalDpi xmlns:a14="http://schemas.microsoft.com/office/drawing/2010/main"/>
-                </a:ext>
-              </a:extLst>
-            </a:blip>
+            <a:blip r:embed="rId1" cstate="screen"/>
             <a:srcRect/>
             <a:stretch>
               <a:fillRect/>
@@ -5241,13 +4688,7 @@
       </p:sp>
       <p:sp>
         <p:nvSpPr>
-          <p:cNvPr id="6" name="矩形 5">
-            <a:extLst>
-              <a:ext uri="{FF2B5EF4-FFF2-40B4-BE49-F238E27FC236}">
-                <a16:creationId xmlns:a16="http://schemas.microsoft.com/office/drawing/2014/main" id="{7C9AB731-9BC6-46A8-A555-04CBD97264EF}"/>
-              </a:ext>
-            </a:extLst>
-          </p:cNvPr>
+          <p:cNvPr id="6" name="矩形 5"/>
           <p:cNvSpPr/>
           <p:nvPr/>
         </p:nvSpPr>
@@ -5291,9 +4732,6 @@
         </p:style>
         <p:txBody>
           <a:bodyPr rot="0" spcFirstLastPara="0" vertOverflow="overflow" horzOverflow="overflow" vert="horz" wrap="square" lIns="91440" tIns="45720" rIns="91440" bIns="45720" numCol="1" spcCol="0" rtlCol="0" fromWordArt="0" anchor="ctr" anchorCtr="0" forceAA="0" compatLnSpc="1">
-            <a:prstTxWarp prst="textNoShape">
-              <a:avLst/>
-            </a:prstTxWarp>
             <a:noAutofit/>
           </a:bodyPr>
           <a:lstStyle/>
@@ -5309,6 +4747,13 @@
               </a:rPr>
               <a:t>PART </a:t>
             </a:r>
+            <a:endParaRPr lang="en-US" altLang="zh-CN" sz="3200" b="1" dirty="0">
+              <a:solidFill>
+                <a:schemeClr val="bg1"/>
+              </a:solidFill>
+              <a:cs typeface="+mn-ea"/>
+              <a:sym typeface="+mn-lt"/>
+            </a:endParaRPr>
           </a:p>
           <a:p>
             <a:pPr algn="ctr"/>
@@ -5332,23 +4777,68 @@
           </a:p>
         </p:txBody>
       </p:sp>
+      <p:sp>
+        <p:nvSpPr>
+          <p:cNvPr id="7" name="文本框 6"/>
+          <p:cNvSpPr txBox="1"/>
+          <p:nvPr/>
+        </p:nvSpPr>
+        <p:spPr>
+          <a:xfrm>
+            <a:off x="4328525" y="4098922"/>
+            <a:ext cx="4184286" cy="1753235"/>
+          </a:xfrm>
+          <a:prstGeom prst="rect">
+            <a:avLst/>
+          </a:prstGeom>
+          <a:noFill/>
+          <a:effectLst>
+            <a:outerShdw blurRad="177800" algn="ctr" rotWithShape="0">
+              <a:prstClr val="black">
+                <a:alpha val="40000"/>
+              </a:prstClr>
+            </a:outerShdw>
+          </a:effectLst>
+        </p:spPr>
+        <p:txBody>
+          <a:bodyPr wrap="square" rtlCol="0">
+            <a:spAutoFit/>
+          </a:bodyPr>
+          <a:lstStyle/>
+          <a:p>
+            <a:pPr algn="ctr"/>
+            <a:r>
+              <a:rPr lang="zh-CN" altLang="en-US" sz="5400" b="1" dirty="0">
+                <a:solidFill>
+                  <a:srgbClr val="0070C0"/>
+                </a:solidFill>
+                <a:cs typeface="+mn-ea"/>
+                <a:sym typeface="+mn-lt"/>
+              </a:rPr>
+              <a:t>对结果的预测</a:t>
+            </a:r>
+            <a:endParaRPr lang="zh-CN" altLang="en-US" sz="5400" b="1" dirty="0">
+              <a:solidFill>
+                <a:srgbClr val="0070C0"/>
+              </a:solidFill>
+              <a:cs typeface="+mn-ea"/>
+              <a:sym typeface="+mn-lt"/>
+            </a:endParaRPr>
+          </a:p>
+        </p:txBody>
+      </p:sp>
     </p:spTree>
-    <p:extLst>
-      <p:ext uri="{BB962C8B-B14F-4D97-AF65-F5344CB8AC3E}">
-        <p14:creationId xmlns:p14="http://schemas.microsoft.com/office/powerpoint/2010/main" val="389488367"/>
-      </p:ext>
-    </p:extLst>
   </p:cSld>
   <p:clrMapOvr>
     <a:masterClrMapping/>
   </p:clrMapOvr>
-  <mc:AlternateContent xmlns:mc="http://schemas.openxmlformats.org/markup-compatibility/2006" xmlns:p14="http://schemas.microsoft.com/office/powerpoint/2010/main">
-    <mc:Choice Requires="p14">
+  <mc:AlternateContent xmlns:mc="http://schemas.openxmlformats.org/markup-compatibility/2006">
+    <mc:Choice xmlns:p14="http://schemas.microsoft.com/office/powerpoint/2010/main" Requires="p14">
       <p:transition spd="slow" p14:dur="1500" advTm="0">
         <p:random/>
       </p:transition>
     </mc:Choice>
-    <mc:Fallback xmlns="">
+    <mc:Fallback>
       <p:transition spd="slow" advTm="0">
         <p:random/>
       </p:transition>
@@ -5593,13 +5083,7 @@
       </p:grpSpPr>
       <p:sp>
         <p:nvSpPr>
-          <p:cNvPr id="4" name="标题 3">
-            <a:extLst>
-              <a:ext uri="{FF2B5EF4-FFF2-40B4-BE49-F238E27FC236}">
-                <a16:creationId xmlns:a16="http://schemas.microsoft.com/office/drawing/2014/main" id="{7991043C-CAF6-4FCA-AF1A-79BAD35A70BD}"/>
-              </a:ext>
-            </a:extLst>
-          </p:cNvPr>
+          <p:cNvPr id="4" name="标题 3"/>
           <p:cNvSpPr>
             <a:spLocks noGrp="1"/>
           </p:cNvSpPr>
@@ -5617,22 +5101,17 @@
         </p:txBody>
       </p:sp>
     </p:spTree>
-    <p:extLst>
-      <p:ext uri="{BB962C8B-B14F-4D97-AF65-F5344CB8AC3E}">
-        <p14:creationId xmlns:p14="http://schemas.microsoft.com/office/powerpoint/2010/main" val="3907523791"/>
-      </p:ext>
-    </p:extLst>
   </p:cSld>
   <p:clrMapOvr>
     <a:masterClrMapping/>
   </p:clrMapOvr>
-  <mc:AlternateContent xmlns:mc="http://schemas.openxmlformats.org/markup-compatibility/2006" xmlns:p14="http://schemas.microsoft.com/office/powerpoint/2010/main">
-    <mc:Choice Requires="p14">
+  <mc:AlternateContent xmlns:mc="http://schemas.openxmlformats.org/markup-compatibility/2006">
+    <mc:Choice xmlns:p14="http://schemas.microsoft.com/office/powerpoint/2010/main" Requires="p14">
       <p:transition spd="slow" p14:dur="1500" advTm="0">
         <p:random/>
       </p:transition>
     </mc:Choice>
-    <mc:Fallback xmlns="">
+    <mc:Fallback>
       <p:transition spd="slow" advTm="0">
         <p:random/>
       </p:transition>
@@ -5660,13 +5139,7 @@
       </p:grpSpPr>
       <p:sp>
         <p:nvSpPr>
-          <p:cNvPr id="5" name="矩形 4">
-            <a:extLst>
-              <a:ext uri="{FF2B5EF4-FFF2-40B4-BE49-F238E27FC236}">
-                <a16:creationId xmlns:a16="http://schemas.microsoft.com/office/drawing/2014/main" id="{CCB51F44-A755-42AC-B92B-6FC554FC4272}"/>
-              </a:ext>
-            </a:extLst>
-          </p:cNvPr>
+          <p:cNvPr id="5" name="矩形 4"/>
           <p:cNvSpPr/>
           <p:nvPr/>
         </p:nvSpPr>
@@ -5679,13 +5152,7 @@
             <a:avLst/>
           </a:prstGeom>
           <a:blipFill dpi="0" rotWithShape="1">
-            <a:blip r:embed="rId2" cstate="screen">
-              <a:extLst>
-                <a:ext uri="{28A0092B-C50C-407E-A947-70E740481C1C}">
-                  <a14:useLocalDpi xmlns:a14="http://schemas.microsoft.com/office/drawing/2010/main"/>
-                </a:ext>
-              </a:extLst>
-            </a:blip>
+            <a:blip r:embed="rId1" cstate="screen"/>
             <a:srcRect/>
             <a:stretch>
               <a:fillRect/>
@@ -5729,13 +5196,7 @@
       </p:sp>
       <p:sp>
         <p:nvSpPr>
-          <p:cNvPr id="6" name="矩形 5">
-            <a:extLst>
-              <a:ext uri="{FF2B5EF4-FFF2-40B4-BE49-F238E27FC236}">
-                <a16:creationId xmlns:a16="http://schemas.microsoft.com/office/drawing/2014/main" id="{7C9AB731-9BC6-46A8-A555-04CBD97264EF}"/>
-              </a:ext>
-            </a:extLst>
-          </p:cNvPr>
+          <p:cNvPr id="6" name="矩形 5"/>
           <p:cNvSpPr/>
           <p:nvPr/>
         </p:nvSpPr>
@@ -5802,6 +5263,13 @@
               </a:rPr>
               <a:t> </a:t>
             </a:r>
+            <a:endParaRPr lang="en-US" altLang="zh-CN" sz="3200" b="1" dirty="0">
+              <a:solidFill>
+                <a:schemeClr val="bg1"/>
+              </a:solidFill>
+              <a:cs typeface="+mn-ea"/>
+              <a:sym typeface="+mn-lt"/>
+            </a:endParaRPr>
           </a:p>
           <a:p>
             <a:pPr algn="ctr"/>
@@ -5827,13 +5295,7 @@
       </p:sp>
       <p:sp>
         <p:nvSpPr>
-          <p:cNvPr id="7" name="文本框 6">
-            <a:extLst>
-              <a:ext uri="{FF2B5EF4-FFF2-40B4-BE49-F238E27FC236}">
-                <a16:creationId xmlns:a16="http://schemas.microsoft.com/office/drawing/2014/main" id="{449E4EBC-B8EB-4FCE-814E-C0F14FFEF929}"/>
-              </a:ext>
-            </a:extLst>
-          </p:cNvPr>
+          <p:cNvPr id="7" name="文本框 6"/>
           <p:cNvSpPr txBox="1"/>
           <p:nvPr/>
         </p:nvSpPr>
@@ -5864,26 +5326,28 @@
               </a:rPr>
               <a:t>团队介绍</a:t>
             </a:r>
+            <a:endParaRPr lang="zh-CN" altLang="en-US" sz="5400" b="1" dirty="0">
+              <a:solidFill>
+                <a:srgbClr val="0070C0"/>
+              </a:solidFill>
+              <a:cs typeface="+mn-ea"/>
+              <a:sym typeface="+mn-lt"/>
+            </a:endParaRPr>
           </a:p>
         </p:txBody>
       </p:sp>
     </p:spTree>
-    <p:extLst>
-      <p:ext uri="{BB962C8B-B14F-4D97-AF65-F5344CB8AC3E}">
-        <p14:creationId xmlns:p14="http://schemas.microsoft.com/office/powerpoint/2010/main" val="1759263824"/>
-      </p:ext>
-    </p:extLst>
   </p:cSld>
   <p:clrMapOvr>
     <a:masterClrMapping/>
   </p:clrMapOvr>
-  <mc:AlternateContent xmlns:mc="http://schemas.openxmlformats.org/markup-compatibility/2006" xmlns:p14="http://schemas.microsoft.com/office/powerpoint/2010/main">
-    <mc:Choice Requires="p14">
+  <mc:AlternateContent xmlns:mc="http://schemas.openxmlformats.org/markup-compatibility/2006">
+    <mc:Choice xmlns:p14="http://schemas.microsoft.com/office/powerpoint/2010/main" Requires="p14">
       <p:transition spd="slow" p14:dur="1500" advTm="0">
         <p:random/>
       </p:transition>
     </mc:Choice>
-    <mc:Fallback xmlns="">
+    <mc:Fallback>
       <p:transition spd="slow" advTm="0">
         <p:random/>
       </p:transition>
@@ -6173,13 +5637,7 @@
       </p:grpSpPr>
       <p:sp>
         <p:nvSpPr>
-          <p:cNvPr id="16" name="标题 15">
-            <a:extLst>
-              <a:ext uri="{FF2B5EF4-FFF2-40B4-BE49-F238E27FC236}">
-                <a16:creationId xmlns:a16="http://schemas.microsoft.com/office/drawing/2014/main" id="{EAFB493C-8553-42A8-BCD5-E23451D91FBB}"/>
-              </a:ext>
-            </a:extLst>
-          </p:cNvPr>
+          <p:cNvPr id="16" name="标题 15"/>
           <p:cNvSpPr>
             <a:spLocks noGrp="1"/>
           </p:cNvSpPr>
@@ -6197,22 +5655,17 @@
         </p:txBody>
       </p:sp>
     </p:spTree>
-    <p:extLst>
-      <p:ext uri="{BB962C8B-B14F-4D97-AF65-F5344CB8AC3E}">
-        <p14:creationId xmlns:p14="http://schemas.microsoft.com/office/powerpoint/2010/main" val="3697963094"/>
-      </p:ext>
-    </p:extLst>
   </p:cSld>
   <p:clrMapOvr>
     <a:masterClrMapping/>
   </p:clrMapOvr>
-  <mc:AlternateContent xmlns:mc="http://schemas.openxmlformats.org/markup-compatibility/2006" xmlns:p14="http://schemas.microsoft.com/office/powerpoint/2010/main">
-    <mc:Choice Requires="p14">
+  <mc:AlternateContent xmlns:mc="http://schemas.openxmlformats.org/markup-compatibility/2006">
+    <mc:Choice xmlns:p14="http://schemas.microsoft.com/office/powerpoint/2010/main" Requires="p14">
       <p:transition spd="slow" p14:dur="1500" advTm="0">
         <p:random/>
       </p:transition>
     </mc:Choice>
-    <mc:Fallback xmlns="">
+    <mc:Fallback>
       <p:transition spd="slow" advTm="0">
         <p:random/>
       </p:transition>
@@ -6240,13 +5693,7 @@
       </p:grpSpPr>
       <p:sp>
         <p:nvSpPr>
-          <p:cNvPr id="10" name="矩形: 圆角 9">
-            <a:extLst>
-              <a:ext uri="{FF2B5EF4-FFF2-40B4-BE49-F238E27FC236}">
-                <a16:creationId xmlns:a16="http://schemas.microsoft.com/office/drawing/2014/main" id="{6FDF2DB5-B030-4141-8F8C-5AF6C97B5AF5}"/>
-              </a:ext>
-            </a:extLst>
-          </p:cNvPr>
+          <p:cNvPr id="10" name="矩形: 圆角 9"/>
           <p:cNvSpPr/>
           <p:nvPr/>
         </p:nvSpPr>
@@ -6303,31 +5750,37 @@
               </a:rPr>
               <a:t>TANKYOU</a:t>
             </a:r>
+            <a:endParaRPr lang="en-US" altLang="zh-CN" sz="16600" dirty="0">
+              <a:solidFill>
+                <a:srgbClr val="0070C0"/>
+              </a:solidFill>
+              <a:effectLst>
+                <a:outerShdw blurRad="63500" sx="102000" sy="102000" algn="ctr" rotWithShape="0">
+                  <a:prstClr val="black">
+                    <a:alpha val="40000"/>
+                  </a:prstClr>
+                </a:outerShdw>
+              </a:effectLst>
+              <a:latin typeface="Agency FB" panose="020B0503020202020204" pitchFamily="34" charset="0"/>
+              <a:cs typeface="+mn-ea"/>
+              <a:sym typeface="+mn-lt"/>
+            </a:endParaRPr>
           </a:p>
         </p:txBody>
       </p:sp>
       <p:pic>
         <p:nvPicPr>
-          <p:cNvPr id="11" name="图形 10" descr="讲师">
-            <a:extLst>
-              <a:ext uri="{FF2B5EF4-FFF2-40B4-BE49-F238E27FC236}">
-                <a16:creationId xmlns:a16="http://schemas.microsoft.com/office/drawing/2014/main" id="{0D3461E6-E798-4F16-A783-01A4D876BCF2}"/>
-              </a:ext>
-            </a:extLst>
-          </p:cNvPr>
+          <p:cNvPr id="11" name="图形 10" descr="讲师"/>
           <p:cNvPicPr>
             <a:picLocks noChangeAspect="1"/>
           </p:cNvPicPr>
           <p:nvPr/>
         </p:nvPicPr>
         <p:blipFill>
-          <a:blip r:embed="rId2" cstate="screen">
+          <a:blip r:embed="rId1" cstate="screen">
             <a:extLst>
-              <a:ext uri="{28A0092B-C50C-407E-A947-70E740481C1C}">
-                <a14:useLocalDpi xmlns:a14="http://schemas.microsoft.com/office/drawing/2010/main"/>
-              </a:ext>
               <a:ext uri="{96DAC541-7B7A-43D3-8B79-37D633B846F1}">
-                <asvg:svgBlip xmlns:asvg="http://schemas.microsoft.com/office/drawing/2016/SVG/main" r:embed="rId3"/>
+                <asvg:svgBlip xmlns:asvg="http://schemas.microsoft.com/office/drawing/2016/SVG/main" r:embed="rId2"/>
               </a:ext>
             </a:extLst>
           </a:blip>
@@ -6347,26 +5800,17 @@
       </p:pic>
       <p:pic>
         <p:nvPicPr>
-          <p:cNvPr id="12" name="图形 11" descr="教师">
-            <a:extLst>
-              <a:ext uri="{FF2B5EF4-FFF2-40B4-BE49-F238E27FC236}">
-                <a16:creationId xmlns:a16="http://schemas.microsoft.com/office/drawing/2014/main" id="{D031F74A-45B8-456E-98B4-8BA2F977F383}"/>
-              </a:ext>
-            </a:extLst>
-          </p:cNvPr>
+          <p:cNvPr id="12" name="图形 11" descr="教师"/>
           <p:cNvPicPr>
             <a:picLocks noChangeAspect="1"/>
           </p:cNvPicPr>
           <p:nvPr/>
         </p:nvPicPr>
         <p:blipFill>
-          <a:blip r:embed="rId4" cstate="screen">
+          <a:blip r:embed="rId3" cstate="screen">
             <a:extLst>
-              <a:ext uri="{28A0092B-C50C-407E-A947-70E740481C1C}">
-                <a14:useLocalDpi xmlns:a14="http://schemas.microsoft.com/office/drawing/2010/main"/>
-              </a:ext>
               <a:ext uri="{96DAC541-7B7A-43D3-8B79-37D633B846F1}">
-                <asvg:svgBlip xmlns:asvg="http://schemas.microsoft.com/office/drawing/2016/SVG/main" r:embed="rId5"/>
+                <asvg:svgBlip xmlns:asvg="http://schemas.microsoft.com/office/drawing/2016/SVG/main" r:embed="rId4"/>
               </a:ext>
             </a:extLst>
           </a:blip>
@@ -6386,13 +5830,7 @@
       </p:pic>
       <p:sp>
         <p:nvSpPr>
-          <p:cNvPr id="13" name="矩形 12">
-            <a:extLst>
-              <a:ext uri="{FF2B5EF4-FFF2-40B4-BE49-F238E27FC236}">
-                <a16:creationId xmlns:a16="http://schemas.microsoft.com/office/drawing/2014/main" id="{E0B80A3E-BDFE-4485-8B20-2E469B8A5DB6}"/>
-              </a:ext>
-            </a:extLst>
-          </p:cNvPr>
+          <p:cNvPr id="13" name="矩形 12"/>
           <p:cNvSpPr/>
           <p:nvPr/>
         </p:nvSpPr>
@@ -6452,13 +5890,7 @@
       </p:sp>
       <p:sp>
         <p:nvSpPr>
-          <p:cNvPr id="14" name="矩形 13">
-            <a:extLst>
-              <a:ext uri="{FF2B5EF4-FFF2-40B4-BE49-F238E27FC236}">
-                <a16:creationId xmlns:a16="http://schemas.microsoft.com/office/drawing/2014/main" id="{58247600-60E0-46A8-8D27-D0405E39D287}"/>
-              </a:ext>
-            </a:extLst>
-          </p:cNvPr>
+          <p:cNvPr id="14" name="矩形 13"/>
           <p:cNvSpPr/>
           <p:nvPr/>
         </p:nvSpPr>
@@ -6490,18 +5922,22 @@
               </a:rPr>
               <a:t>演讲人：随机</a:t>
             </a:r>
-          </a:p>
-        </p:txBody>
-      </p:sp>
-      <p:sp>
-        <p:nvSpPr>
-          <p:cNvPr id="15" name="文本框 14">
-            <a:extLst>
-              <a:ext uri="{FF2B5EF4-FFF2-40B4-BE49-F238E27FC236}">
-                <a16:creationId xmlns:a16="http://schemas.microsoft.com/office/drawing/2014/main" id="{E11991FA-2EFF-4275-AC55-9825443D3DDA}"/>
-              </a:ext>
-            </a:extLst>
-          </p:cNvPr>
+            <a:endParaRPr lang="zh-CN" altLang="en-US" dirty="0">
+              <a:solidFill>
+                <a:schemeClr val="tx1">
+                  <a:lumMod val="75000"/>
+                  <a:lumOff val="25000"/>
+                </a:schemeClr>
+              </a:solidFill>
+              <a:cs typeface="+mn-ea"/>
+              <a:sym typeface="+mn-lt"/>
+            </a:endParaRPr>
+          </a:p>
+        </p:txBody>
+      </p:sp>
+      <p:sp>
+        <p:nvSpPr>
+          <p:cNvPr id="15" name="文本框 14"/>
           <p:cNvSpPr txBox="1"/>
           <p:nvPr/>
         </p:nvSpPr>
@@ -6551,26 +5987,40 @@
               </a:rPr>
               <a:t>谢谢观看！</a:t>
             </a:r>
+            <a:endParaRPr lang="zh-CN" altLang="en-US" sz="7200" spc="300" dirty="0">
+              <a:solidFill>
+                <a:schemeClr val="tx1">
+                  <a:lumMod val="75000"/>
+                  <a:lumOff val="25000"/>
+                </a:schemeClr>
+              </a:solidFill>
+              <a:effectLst>
+                <a:outerShdw blurRad="38100" dist="38100" dir="2700000" algn="tl">
+                  <a:srgbClr val="000000">
+                    <a:alpha val="43137"/>
+                  </a:srgbClr>
+                </a:outerShdw>
+              </a:effectLst>
+              <a:latin typeface="方正正黑简体" panose="02000000000000000000" pitchFamily="2" charset="-122"/>
+              <a:ea typeface="方正正黑简体" panose="02000000000000000000" pitchFamily="2" charset="-122"/>
+              <a:cs typeface="+mn-ea"/>
+              <a:sym typeface="+mn-lt"/>
+            </a:endParaRPr>
           </a:p>
         </p:txBody>
       </p:sp>
     </p:spTree>
-    <p:extLst>
-      <p:ext uri="{BB962C8B-B14F-4D97-AF65-F5344CB8AC3E}">
-        <p14:creationId xmlns:p14="http://schemas.microsoft.com/office/powerpoint/2010/main" val="2730110897"/>
-      </p:ext>
-    </p:extLst>
   </p:cSld>
   <p:clrMapOvr>
     <a:masterClrMapping/>
   </p:clrMapOvr>
-  <mc:AlternateContent xmlns:mc="http://schemas.openxmlformats.org/markup-compatibility/2006" xmlns:p14="http://schemas.microsoft.com/office/powerpoint/2010/main">
-    <mc:Choice Requires="p14">
+  <mc:AlternateContent xmlns:mc="http://schemas.openxmlformats.org/markup-compatibility/2006">
+    <mc:Choice xmlns:p14="http://schemas.microsoft.com/office/powerpoint/2010/main" Requires="p14">
       <p:transition spd="slow" p14:dur="1500" advTm="0">
         <p:random/>
       </p:transition>
     </mc:Choice>
-    <mc:Fallback xmlns="">
+    <mc:Fallback>
       <p:transition spd="slow" advTm="0">
         <p:random/>
       </p:transition>
@@ -7177,13 +6627,7 @@
       </p:grpSpPr>
       <p:sp>
         <p:nvSpPr>
-          <p:cNvPr id="11" name="文本框 10">
-            <a:extLst>
-              <a:ext uri="{FF2B5EF4-FFF2-40B4-BE49-F238E27FC236}">
-                <a16:creationId xmlns:a16="http://schemas.microsoft.com/office/drawing/2014/main" id="{CCFF3163-6411-4E72-80BE-6DA15799316C}"/>
-              </a:ext>
-            </a:extLst>
-          </p:cNvPr>
+          <p:cNvPr id="11" name="文本框 10"/>
           <p:cNvSpPr txBox="1"/>
           <p:nvPr/>
         </p:nvSpPr>
@@ -7234,18 +6678,22 @@
               </a:rPr>
               <a:t>为什么做</a:t>
             </a:r>
-          </a:p>
-        </p:txBody>
-      </p:sp>
-      <p:sp>
-        <p:nvSpPr>
-          <p:cNvPr id="14" name="文本框 13">
-            <a:extLst>
-              <a:ext uri="{FF2B5EF4-FFF2-40B4-BE49-F238E27FC236}">
-                <a16:creationId xmlns:a16="http://schemas.microsoft.com/office/drawing/2014/main" id="{84FEC30F-B0F3-40BC-934D-C76F61789D7C}"/>
-              </a:ext>
-            </a:extLst>
-          </p:cNvPr>
+            <a:endParaRPr lang="zh-CN" altLang="en-US" sz="2400" dirty="0">
+              <a:solidFill>
+                <a:schemeClr val="tx1">
+                  <a:lumMod val="50000"/>
+                  <a:lumOff val="50000"/>
+                </a:schemeClr>
+              </a:solidFill>
+              <a:cs typeface="+mn-ea"/>
+              <a:sym typeface="+mn-lt"/>
+            </a:endParaRPr>
+          </a:p>
+        </p:txBody>
+      </p:sp>
+      <p:sp>
+        <p:nvSpPr>
+          <p:cNvPr id="14" name="文本框 13"/>
           <p:cNvSpPr txBox="1"/>
           <p:nvPr/>
         </p:nvSpPr>
@@ -7296,18 +6744,22 @@
               </a:rPr>
               <a:t>我们的一些思考</a:t>
             </a:r>
-          </a:p>
-        </p:txBody>
-      </p:sp>
-      <p:sp>
-        <p:nvSpPr>
-          <p:cNvPr id="17" name="文本框 16">
-            <a:extLst>
-              <a:ext uri="{FF2B5EF4-FFF2-40B4-BE49-F238E27FC236}">
-                <a16:creationId xmlns:a16="http://schemas.microsoft.com/office/drawing/2014/main" id="{517E56E2-BBE8-4710-8B07-CCC776EE77F4}"/>
-              </a:ext>
-            </a:extLst>
-          </p:cNvPr>
+            <a:endParaRPr lang="zh-CN" altLang="en-US" sz="2400" dirty="0">
+              <a:solidFill>
+                <a:schemeClr val="tx1">
+                  <a:lumMod val="50000"/>
+                  <a:lumOff val="50000"/>
+                </a:schemeClr>
+              </a:solidFill>
+              <a:cs typeface="+mn-ea"/>
+              <a:sym typeface="+mn-lt"/>
+            </a:endParaRPr>
+          </a:p>
+        </p:txBody>
+      </p:sp>
+      <p:sp>
+        <p:nvSpPr>
+          <p:cNvPr id="17" name="文本框 16"/>
           <p:cNvSpPr txBox="1"/>
           <p:nvPr/>
         </p:nvSpPr>
@@ -7358,18 +6810,22 @@
               </a:rPr>
               <a:t>打算怎么做</a:t>
             </a:r>
-          </a:p>
-        </p:txBody>
-      </p:sp>
-      <p:sp>
-        <p:nvSpPr>
-          <p:cNvPr id="20" name="文本框 19">
-            <a:extLst>
-              <a:ext uri="{FF2B5EF4-FFF2-40B4-BE49-F238E27FC236}">
-                <a16:creationId xmlns:a16="http://schemas.microsoft.com/office/drawing/2014/main" id="{E392B873-1FB4-41D7-96E2-DC0CF3EDA4AF}"/>
-              </a:ext>
-            </a:extLst>
-          </p:cNvPr>
+            <a:endParaRPr lang="zh-CN" altLang="en-US" sz="2400" dirty="0">
+              <a:solidFill>
+                <a:schemeClr val="tx1">
+                  <a:lumMod val="50000"/>
+                  <a:lumOff val="50000"/>
+                </a:schemeClr>
+              </a:solidFill>
+              <a:cs typeface="+mn-ea"/>
+              <a:sym typeface="+mn-lt"/>
+            </a:endParaRPr>
+          </a:p>
+        </p:txBody>
+      </p:sp>
+      <p:sp>
+        <p:nvSpPr>
+          <p:cNvPr id="20" name="文本框 19"/>
           <p:cNvSpPr txBox="1"/>
           <p:nvPr/>
         </p:nvSpPr>
@@ -7420,18 +6876,22 @@
               </a:rPr>
               <a:t>对结果的预测</a:t>
             </a:r>
-          </a:p>
-        </p:txBody>
-      </p:sp>
-      <p:sp>
-        <p:nvSpPr>
-          <p:cNvPr id="33" name="文本框 32">
-            <a:extLst>
-              <a:ext uri="{FF2B5EF4-FFF2-40B4-BE49-F238E27FC236}">
-                <a16:creationId xmlns:a16="http://schemas.microsoft.com/office/drawing/2014/main" id="{841E2B21-F567-43EA-BD19-BF8C0D75164C}"/>
-              </a:ext>
-            </a:extLst>
-          </p:cNvPr>
+            <a:endParaRPr lang="zh-CN" altLang="en-US" sz="2400" dirty="0">
+              <a:solidFill>
+                <a:schemeClr val="tx1">
+                  <a:lumMod val="50000"/>
+                  <a:lumOff val="50000"/>
+                </a:schemeClr>
+              </a:solidFill>
+              <a:cs typeface="+mn-ea"/>
+              <a:sym typeface="+mn-lt"/>
+            </a:endParaRPr>
+          </a:p>
+        </p:txBody>
+      </p:sp>
+      <p:sp>
+        <p:nvSpPr>
+          <p:cNvPr id="33" name="文本框 32"/>
           <p:cNvSpPr txBox="1"/>
           <p:nvPr/>
         </p:nvSpPr>
@@ -7482,18 +6942,22 @@
               </a:rPr>
               <a:t>结尾</a:t>
             </a:r>
-          </a:p>
-        </p:txBody>
-      </p:sp>
-      <p:sp>
-        <p:nvSpPr>
-          <p:cNvPr id="5" name="椭圆 4">
-            <a:extLst>
-              <a:ext uri="{FF2B5EF4-FFF2-40B4-BE49-F238E27FC236}">
-                <a16:creationId xmlns:a16="http://schemas.microsoft.com/office/drawing/2014/main" id="{CEE8C9C9-F407-4440-B867-5C0621AB9FD0}"/>
-              </a:ext>
-            </a:extLst>
-          </p:cNvPr>
+            <a:endParaRPr lang="zh-CN" altLang="en-US" sz="2400" dirty="0">
+              <a:solidFill>
+                <a:schemeClr val="tx1">
+                  <a:lumMod val="50000"/>
+                  <a:lumOff val="50000"/>
+                </a:schemeClr>
+              </a:solidFill>
+              <a:cs typeface="+mn-ea"/>
+              <a:sym typeface="+mn-lt"/>
+            </a:endParaRPr>
+          </a:p>
+        </p:txBody>
+      </p:sp>
+      <p:sp>
+        <p:nvSpPr>
+          <p:cNvPr id="5" name="椭圆 4"/>
           <p:cNvSpPr/>
           <p:nvPr/>
         </p:nvSpPr>
@@ -7537,9 +7001,6 @@
         </p:style>
         <p:txBody>
           <a:bodyPr rot="0" spcFirstLastPara="0" vertOverflow="overflow" horzOverflow="overflow" vert="horz" wrap="square" lIns="91440" tIns="45720" rIns="91440" bIns="45720" numCol="1" spcCol="0" rtlCol="0" fromWordArt="0" anchor="ctr" anchorCtr="0" forceAA="0" compatLnSpc="1">
-            <a:prstTxWarp prst="textNoShape">
-              <a:avLst/>
-            </a:prstTxWarp>
             <a:noAutofit/>
           </a:bodyPr>
           <a:lstStyle/>
@@ -7587,13 +7048,7 @@
       </p:sp>
       <p:sp>
         <p:nvSpPr>
-          <p:cNvPr id="21" name="新月形 20">
-            <a:extLst>
-              <a:ext uri="{FF2B5EF4-FFF2-40B4-BE49-F238E27FC236}">
-                <a16:creationId xmlns:a16="http://schemas.microsoft.com/office/drawing/2014/main" id="{93B72F51-81DA-4170-946B-AC1B0C425716}"/>
-              </a:ext>
-            </a:extLst>
-          </p:cNvPr>
+          <p:cNvPr id="21" name="新月形 20"/>
           <p:cNvSpPr/>
           <p:nvPr/>
         </p:nvSpPr>
@@ -7647,13 +7102,7 @@
       </p:sp>
       <p:sp>
         <p:nvSpPr>
-          <p:cNvPr id="36" name="椭圆 35">
-            <a:extLst>
-              <a:ext uri="{FF2B5EF4-FFF2-40B4-BE49-F238E27FC236}">
-                <a16:creationId xmlns:a16="http://schemas.microsoft.com/office/drawing/2014/main" id="{0664C580-631D-4563-AB29-41E618B2EECE}"/>
-              </a:ext>
-            </a:extLst>
-          </p:cNvPr>
+          <p:cNvPr id="36" name="椭圆 35"/>
           <p:cNvSpPr/>
           <p:nvPr/>
         </p:nvSpPr>
@@ -7694,9 +7143,6 @@
         </p:style>
         <p:txBody>
           <a:bodyPr rot="0" spcFirstLastPara="0" vertOverflow="overflow" horzOverflow="overflow" vert="horz" wrap="square" lIns="91440" tIns="45720" rIns="91440" bIns="45720" numCol="1" spcCol="0" rtlCol="0" fromWordArt="0" anchor="ctr" anchorCtr="0" forceAA="0" compatLnSpc="1">
-            <a:prstTxWarp prst="textNoShape">
-              <a:avLst/>
-            </a:prstTxWarp>
             <a:noAutofit/>
           </a:bodyPr>
           <a:lstStyle/>
@@ -7714,13 +7160,7 @@
       </p:sp>
       <p:sp>
         <p:nvSpPr>
-          <p:cNvPr id="37" name="椭圆 36">
-            <a:extLst>
-              <a:ext uri="{FF2B5EF4-FFF2-40B4-BE49-F238E27FC236}">
-                <a16:creationId xmlns:a16="http://schemas.microsoft.com/office/drawing/2014/main" id="{6F5B0D39-6865-4069-B853-342652A0DEF1}"/>
-              </a:ext>
-            </a:extLst>
-          </p:cNvPr>
+          <p:cNvPr id="37" name="椭圆 36"/>
           <p:cNvSpPr/>
           <p:nvPr/>
         </p:nvSpPr>
@@ -7761,9 +7201,6 @@
         </p:style>
         <p:txBody>
           <a:bodyPr rot="0" spcFirstLastPara="0" vertOverflow="overflow" horzOverflow="overflow" vert="horz" wrap="square" lIns="91440" tIns="45720" rIns="91440" bIns="45720" numCol="1" spcCol="0" rtlCol="0" fromWordArt="0" anchor="ctr" anchorCtr="0" forceAA="0" compatLnSpc="1">
-            <a:prstTxWarp prst="textNoShape">
-              <a:avLst/>
-            </a:prstTxWarp>
             <a:noAutofit/>
           </a:bodyPr>
           <a:lstStyle/>
@@ -7781,13 +7218,7 @@
       </p:sp>
       <p:sp>
         <p:nvSpPr>
-          <p:cNvPr id="38" name="椭圆 37">
-            <a:extLst>
-              <a:ext uri="{FF2B5EF4-FFF2-40B4-BE49-F238E27FC236}">
-                <a16:creationId xmlns:a16="http://schemas.microsoft.com/office/drawing/2014/main" id="{6D47D87C-876F-4A41-9D70-9FCEA2706995}"/>
-              </a:ext>
-            </a:extLst>
-          </p:cNvPr>
+          <p:cNvPr id="38" name="椭圆 37"/>
           <p:cNvSpPr/>
           <p:nvPr/>
         </p:nvSpPr>
@@ -7828,9 +7259,6 @@
         </p:style>
         <p:txBody>
           <a:bodyPr rot="0" spcFirstLastPara="0" vertOverflow="overflow" horzOverflow="overflow" vert="horz" wrap="square" lIns="91440" tIns="45720" rIns="91440" bIns="45720" numCol="1" spcCol="0" rtlCol="0" fromWordArt="0" anchor="ctr" anchorCtr="0" forceAA="0" compatLnSpc="1">
-            <a:prstTxWarp prst="textNoShape">
-              <a:avLst/>
-            </a:prstTxWarp>
             <a:noAutofit/>
           </a:bodyPr>
           <a:lstStyle/>
@@ -7848,13 +7276,7 @@
       </p:sp>
       <p:sp>
         <p:nvSpPr>
-          <p:cNvPr id="39" name="椭圆 38">
-            <a:extLst>
-              <a:ext uri="{FF2B5EF4-FFF2-40B4-BE49-F238E27FC236}">
-                <a16:creationId xmlns:a16="http://schemas.microsoft.com/office/drawing/2014/main" id="{52F951E6-8F5C-4F0E-BADA-8A610EA8D7A8}"/>
-              </a:ext>
-            </a:extLst>
-          </p:cNvPr>
+          <p:cNvPr id="39" name="椭圆 38"/>
           <p:cNvSpPr/>
           <p:nvPr/>
         </p:nvSpPr>
@@ -7895,9 +7317,6 @@
         </p:style>
         <p:txBody>
           <a:bodyPr rot="0" spcFirstLastPara="0" vertOverflow="overflow" horzOverflow="overflow" vert="horz" wrap="square" lIns="91440" tIns="45720" rIns="91440" bIns="45720" numCol="1" spcCol="0" rtlCol="0" fromWordArt="0" anchor="ctr" anchorCtr="0" forceAA="0" compatLnSpc="1">
-            <a:prstTxWarp prst="textNoShape">
-              <a:avLst/>
-            </a:prstTxWarp>
             <a:noAutofit/>
           </a:bodyPr>
           <a:lstStyle/>
@@ -7915,13 +7334,7 @@
       </p:sp>
       <p:sp>
         <p:nvSpPr>
-          <p:cNvPr id="40" name="椭圆 39">
-            <a:extLst>
-              <a:ext uri="{FF2B5EF4-FFF2-40B4-BE49-F238E27FC236}">
-                <a16:creationId xmlns:a16="http://schemas.microsoft.com/office/drawing/2014/main" id="{F230E8A9-55E6-4DB0-83DC-2AA7426368DC}"/>
-              </a:ext>
-            </a:extLst>
-          </p:cNvPr>
+          <p:cNvPr id="40" name="椭圆 39"/>
           <p:cNvSpPr/>
           <p:nvPr/>
         </p:nvSpPr>
@@ -7962,9 +7375,6 @@
         </p:style>
         <p:txBody>
           <a:bodyPr rot="0" spcFirstLastPara="0" vertOverflow="overflow" horzOverflow="overflow" vert="horz" wrap="square" lIns="91440" tIns="45720" rIns="91440" bIns="45720" numCol="1" spcCol="0" rtlCol="0" fromWordArt="0" anchor="ctr" anchorCtr="0" forceAA="0" compatLnSpc="1">
-            <a:prstTxWarp prst="textNoShape">
-              <a:avLst/>
-            </a:prstTxWarp>
             <a:noAutofit/>
           </a:bodyPr>
           <a:lstStyle/>
@@ -7981,22 +7391,17 @@
         </p:txBody>
       </p:sp>
     </p:spTree>
-    <p:extLst>
-      <p:ext uri="{BB962C8B-B14F-4D97-AF65-F5344CB8AC3E}">
-        <p14:creationId xmlns:p14="http://schemas.microsoft.com/office/powerpoint/2010/main" val="3311597533"/>
-      </p:ext>
-    </p:extLst>
   </p:cSld>
   <p:clrMapOvr>
     <a:masterClrMapping/>
   </p:clrMapOvr>
-  <mc:AlternateContent xmlns:mc="http://schemas.openxmlformats.org/markup-compatibility/2006" xmlns:p14="http://schemas.microsoft.com/office/powerpoint/2010/main">
-    <mc:Choice Requires="p14">
+  <mc:AlternateContent xmlns:mc="http://schemas.openxmlformats.org/markup-compatibility/2006">
+    <mc:Choice xmlns:p14="http://schemas.microsoft.com/office/powerpoint/2010/main" Requires="p14">
       <p:transition spd="slow" p14:dur="1500" advTm="0">
         <p:random/>
       </p:transition>
     </mc:Choice>
-    <mc:Fallback xmlns="">
+    <mc:Fallback>
       <p:transition spd="slow" advTm="0">
         <p:random/>
       </p:transition>
@@ -8024,13 +7429,7 @@
       </p:grpSpPr>
       <p:sp>
         <p:nvSpPr>
-          <p:cNvPr id="5" name="矩形 4">
-            <a:extLst>
-              <a:ext uri="{FF2B5EF4-FFF2-40B4-BE49-F238E27FC236}">
-                <a16:creationId xmlns:a16="http://schemas.microsoft.com/office/drawing/2014/main" id="{CCB51F44-A755-42AC-B92B-6FC554FC4272}"/>
-              </a:ext>
-            </a:extLst>
-          </p:cNvPr>
+          <p:cNvPr id="5" name="矩形 4"/>
           <p:cNvSpPr/>
           <p:nvPr/>
         </p:nvSpPr>
@@ -8043,13 +7442,7 @@
             <a:avLst/>
           </a:prstGeom>
           <a:blipFill dpi="0" rotWithShape="1">
-            <a:blip r:embed="rId2" cstate="screen">
-              <a:extLst>
-                <a:ext uri="{28A0092B-C50C-407E-A947-70E740481C1C}">
-                  <a14:useLocalDpi xmlns:a14="http://schemas.microsoft.com/office/drawing/2010/main"/>
-                </a:ext>
-              </a:extLst>
-            </a:blip>
+            <a:blip r:embed="rId1" cstate="screen"/>
             <a:srcRect/>
             <a:stretch>
               <a:fillRect/>
@@ -8093,13 +7486,7 @@
       </p:sp>
       <p:sp>
         <p:nvSpPr>
-          <p:cNvPr id="6" name="矩形 5">
-            <a:extLst>
-              <a:ext uri="{FF2B5EF4-FFF2-40B4-BE49-F238E27FC236}">
-                <a16:creationId xmlns:a16="http://schemas.microsoft.com/office/drawing/2014/main" id="{7C9AB731-9BC6-46A8-A555-04CBD97264EF}"/>
-              </a:ext>
-            </a:extLst>
-          </p:cNvPr>
+          <p:cNvPr id="6" name="矩形 5"/>
           <p:cNvSpPr/>
           <p:nvPr/>
         </p:nvSpPr>
@@ -8143,9 +7530,6 @@
         </p:style>
         <p:txBody>
           <a:bodyPr rot="0" spcFirstLastPara="0" vertOverflow="overflow" horzOverflow="overflow" vert="horz" wrap="square" lIns="91440" tIns="45720" rIns="91440" bIns="45720" numCol="1" spcCol="0" rtlCol="0" fromWordArt="0" anchor="ctr" anchorCtr="0" forceAA="0" compatLnSpc="1">
-            <a:prstTxWarp prst="textNoShape">
-              <a:avLst/>
-            </a:prstTxWarp>
             <a:noAutofit/>
           </a:bodyPr>
           <a:lstStyle/>
@@ -8173,20 +7557,14 @@
       </p:sp>
       <p:sp>
         <p:nvSpPr>
-          <p:cNvPr id="7" name="文本框 6">
-            <a:extLst>
-              <a:ext uri="{FF2B5EF4-FFF2-40B4-BE49-F238E27FC236}">
-                <a16:creationId xmlns:a16="http://schemas.microsoft.com/office/drawing/2014/main" id="{449E4EBC-B8EB-4FCE-814E-C0F14FFEF929}"/>
-              </a:ext>
-            </a:extLst>
-          </p:cNvPr>
+          <p:cNvPr id="7" name="文本框 6"/>
           <p:cNvSpPr txBox="1"/>
           <p:nvPr/>
         </p:nvSpPr>
         <p:spPr>
           <a:xfrm>
             <a:off x="4319635" y="4098922"/>
-            <a:ext cx="4184286" cy="1783717"/>
+            <a:ext cx="4184286" cy="922020"/>
           </a:xfrm>
           <a:prstGeom prst="rect">
             <a:avLst/>
@@ -8215,28 +7593,30 @@
                 <a:cs typeface="+mn-ea"/>
                 <a:sym typeface="+mn-lt"/>
               </a:rPr>
-              <a:t>行业背景及市场分析</a:t>
-            </a:r>
+              <a:t>为什么做</a:t>
+            </a:r>
+            <a:endParaRPr lang="zh-CN" altLang="en-US" sz="5400" b="1" dirty="0">
+              <a:solidFill>
+                <a:srgbClr val="0070C0"/>
+              </a:solidFill>
+              <a:cs typeface="+mn-ea"/>
+              <a:sym typeface="+mn-lt"/>
+            </a:endParaRPr>
           </a:p>
         </p:txBody>
       </p:sp>
     </p:spTree>
-    <p:extLst>
-      <p:ext uri="{BB962C8B-B14F-4D97-AF65-F5344CB8AC3E}">
-        <p14:creationId xmlns:p14="http://schemas.microsoft.com/office/powerpoint/2010/main" val="1302434165"/>
-      </p:ext>
-    </p:extLst>
   </p:cSld>
   <p:clrMapOvr>
     <a:masterClrMapping/>
   </p:clrMapOvr>
-  <mc:AlternateContent xmlns:mc="http://schemas.openxmlformats.org/markup-compatibility/2006" xmlns:p14="http://schemas.microsoft.com/office/powerpoint/2010/main">
-    <mc:Choice Requires="p14">
+  <mc:AlternateContent xmlns:mc="http://schemas.openxmlformats.org/markup-compatibility/2006">
+    <mc:Choice xmlns:p14="http://schemas.microsoft.com/office/powerpoint/2010/main" Requires="p14">
       <p:transition spd="slow" p14:dur="1500" advTm="0">
         <p:random/>
       </p:transition>
     </mc:Choice>
-    <mc:Fallback xmlns="">
+    <mc:Fallback>
       <p:transition spd="slow" advTm="0">
         <p:random/>
       </p:transition>
@@ -8264,13 +7644,7 @@
       </p:grpSpPr>
       <p:sp>
         <p:nvSpPr>
-          <p:cNvPr id="3" name="标题 2">
-            <a:extLst>
-              <a:ext uri="{FF2B5EF4-FFF2-40B4-BE49-F238E27FC236}">
-                <a16:creationId xmlns:a16="http://schemas.microsoft.com/office/drawing/2014/main" id="{E4C02904-69A8-44BE-98D2-ECEEC17AE966}"/>
-              </a:ext>
-            </a:extLst>
-          </p:cNvPr>
+          <p:cNvPr id="3" name="标题 2"/>
           <p:cNvSpPr>
             <a:spLocks noGrp="1"/>
           </p:cNvSpPr>
@@ -8288,22 +7662,17 @@
         </p:txBody>
       </p:sp>
     </p:spTree>
-    <p:extLst>
-      <p:ext uri="{BB962C8B-B14F-4D97-AF65-F5344CB8AC3E}">
-        <p14:creationId xmlns:p14="http://schemas.microsoft.com/office/powerpoint/2010/main" val="365786617"/>
-      </p:ext>
-    </p:extLst>
   </p:cSld>
   <p:clrMapOvr>
     <a:masterClrMapping/>
   </p:clrMapOvr>
-  <mc:AlternateContent xmlns:mc="http://schemas.openxmlformats.org/markup-compatibility/2006" xmlns:p14="http://schemas.microsoft.com/office/powerpoint/2010/main">
-    <mc:Choice Requires="p14">
+  <mc:AlternateContent xmlns:mc="http://schemas.openxmlformats.org/markup-compatibility/2006">
+    <mc:Choice xmlns:p14="http://schemas.microsoft.com/office/powerpoint/2010/main" Requires="p14">
       <p:transition spd="slow" p14:dur="1500" advTm="0">
         <p:random/>
       </p:transition>
     </mc:Choice>
-    <mc:Fallback xmlns="">
+    <mc:Fallback>
       <p:transition spd="slow" advTm="0">
         <p:random/>
       </p:transition>
@@ -8331,13 +7700,7 @@
       </p:grpSpPr>
       <p:sp>
         <p:nvSpPr>
-          <p:cNvPr id="4" name="标题 3">
-            <a:extLst>
-              <a:ext uri="{FF2B5EF4-FFF2-40B4-BE49-F238E27FC236}">
-                <a16:creationId xmlns:a16="http://schemas.microsoft.com/office/drawing/2014/main" id="{EC1D5C27-EF3B-47EB-8D52-5B969A9C4A7D}"/>
-              </a:ext>
-            </a:extLst>
-          </p:cNvPr>
+          <p:cNvPr id="4" name="标题 3"/>
           <p:cNvSpPr>
             <a:spLocks noGrp="1"/>
           </p:cNvSpPr>
@@ -8355,22 +7718,17 @@
         </p:txBody>
       </p:sp>
     </p:spTree>
-    <p:extLst>
-      <p:ext uri="{BB962C8B-B14F-4D97-AF65-F5344CB8AC3E}">
-        <p14:creationId xmlns:p14="http://schemas.microsoft.com/office/powerpoint/2010/main" val="48307910"/>
-      </p:ext>
-    </p:extLst>
   </p:cSld>
   <p:clrMapOvr>
     <a:masterClrMapping/>
   </p:clrMapOvr>
-  <mc:AlternateContent xmlns:mc="http://schemas.openxmlformats.org/markup-compatibility/2006" xmlns:p14="http://schemas.microsoft.com/office/powerpoint/2010/main">
-    <mc:Choice Requires="p14">
+  <mc:AlternateContent xmlns:mc="http://schemas.openxmlformats.org/markup-compatibility/2006">
+    <mc:Choice xmlns:p14="http://schemas.microsoft.com/office/powerpoint/2010/main" Requires="p14">
       <p:transition spd="slow" p14:dur="1500" advTm="0">
         <p:random/>
       </p:transition>
     </mc:Choice>
-    <mc:Fallback xmlns="">
+    <mc:Fallback>
       <p:transition spd="slow" advTm="0">
         <p:random/>
       </p:transition>
@@ -8398,13 +7756,7 @@
       </p:grpSpPr>
       <p:sp>
         <p:nvSpPr>
-          <p:cNvPr id="5" name="矩形 4">
-            <a:extLst>
-              <a:ext uri="{FF2B5EF4-FFF2-40B4-BE49-F238E27FC236}">
-                <a16:creationId xmlns:a16="http://schemas.microsoft.com/office/drawing/2014/main" id="{CCB51F44-A755-42AC-B92B-6FC554FC4272}"/>
-              </a:ext>
-            </a:extLst>
-          </p:cNvPr>
+          <p:cNvPr id="5" name="矩形 4"/>
           <p:cNvSpPr/>
           <p:nvPr/>
         </p:nvSpPr>
@@ -8417,13 +7769,7 @@
             <a:avLst/>
           </a:prstGeom>
           <a:blipFill dpi="0" rotWithShape="1">
-            <a:blip r:embed="rId2" cstate="screen">
-              <a:extLst>
-                <a:ext uri="{28A0092B-C50C-407E-A947-70E740481C1C}">
-                  <a14:useLocalDpi xmlns:a14="http://schemas.microsoft.com/office/drawing/2010/main"/>
-                </a:ext>
-              </a:extLst>
-            </a:blip>
+            <a:blip r:embed="rId1" cstate="screen"/>
             <a:srcRect/>
             <a:stretch>
               <a:fillRect/>
@@ -8467,13 +7813,7 @@
       </p:sp>
       <p:sp>
         <p:nvSpPr>
-          <p:cNvPr id="6" name="矩形 5">
-            <a:extLst>
-              <a:ext uri="{FF2B5EF4-FFF2-40B4-BE49-F238E27FC236}">
-                <a16:creationId xmlns:a16="http://schemas.microsoft.com/office/drawing/2014/main" id="{7C9AB731-9BC6-46A8-A555-04CBD97264EF}"/>
-              </a:ext>
-            </a:extLst>
-          </p:cNvPr>
+          <p:cNvPr id="6" name="矩形 5"/>
           <p:cNvSpPr/>
           <p:nvPr/>
         </p:nvSpPr>
@@ -8517,9 +7857,6 @@
         </p:style>
         <p:txBody>
           <a:bodyPr rot="0" spcFirstLastPara="0" vertOverflow="overflow" horzOverflow="overflow" vert="horz" wrap="square" lIns="91440" tIns="45720" rIns="91440" bIns="45720" numCol="1" spcCol="0" rtlCol="0" fromWordArt="0" anchor="ctr" anchorCtr="0" forceAA="0" compatLnSpc="1">
-            <a:prstTxWarp prst="textNoShape">
-              <a:avLst/>
-            </a:prstTxWarp>
             <a:noAutofit/>
           </a:bodyPr>
           <a:lstStyle/>
@@ -8555,23 +7892,67 @@
           </a:p>
         </p:txBody>
       </p:sp>
+      <p:sp>
+        <p:nvSpPr>
+          <p:cNvPr id="7" name="文本框 6"/>
+          <p:cNvSpPr txBox="1"/>
+          <p:nvPr/>
+        </p:nvSpPr>
+        <p:spPr>
+          <a:xfrm>
+            <a:off x="4319635" y="4098922"/>
+            <a:ext cx="4184286" cy="1753235"/>
+          </a:xfrm>
+          <a:prstGeom prst="rect">
+            <a:avLst/>
+          </a:prstGeom>
+          <a:noFill/>
+          <a:effectLst>
+            <a:outerShdw blurRad="177800" algn="ctr" rotWithShape="0">
+              <a:prstClr val="black">
+                <a:alpha val="40000"/>
+              </a:prstClr>
+            </a:outerShdw>
+          </a:effectLst>
+        </p:spPr>
+        <p:txBody>
+          <a:bodyPr wrap="square" rtlCol="0">
+            <a:spAutoFit/>
+          </a:bodyPr>
+          <a:p>
+            <a:pPr algn="ctr"/>
+            <a:r>
+              <a:rPr lang="zh-CN" altLang="en-US" sz="5400" b="1" dirty="0">
+                <a:solidFill>
+                  <a:srgbClr val="0070C0"/>
+                </a:solidFill>
+                <a:cs typeface="+mn-ea"/>
+                <a:sym typeface="+mn-lt"/>
+              </a:rPr>
+              <a:t>我们的一些思考</a:t>
+            </a:r>
+            <a:endParaRPr lang="zh-CN" altLang="en-US" sz="5400" b="1" dirty="0">
+              <a:solidFill>
+                <a:srgbClr val="0070C0"/>
+              </a:solidFill>
+              <a:cs typeface="+mn-ea"/>
+              <a:sym typeface="+mn-lt"/>
+            </a:endParaRPr>
+          </a:p>
+        </p:txBody>
+      </p:sp>
     </p:spTree>
-    <p:extLst>
-      <p:ext uri="{BB962C8B-B14F-4D97-AF65-F5344CB8AC3E}">
-        <p14:creationId xmlns:p14="http://schemas.microsoft.com/office/powerpoint/2010/main" val="4104121719"/>
-      </p:ext>
-    </p:extLst>
   </p:cSld>
   <p:clrMapOvr>
     <a:masterClrMapping/>
   </p:clrMapOvr>
-  <mc:AlternateContent xmlns:mc="http://schemas.openxmlformats.org/markup-compatibility/2006" xmlns:p14="http://schemas.microsoft.com/office/powerpoint/2010/main">
-    <mc:Choice Requires="p14">
+  <mc:AlternateContent xmlns:mc="http://schemas.openxmlformats.org/markup-compatibility/2006">
+    <mc:Choice xmlns:p14="http://schemas.microsoft.com/office/powerpoint/2010/main" Requires="p14">
       <p:transition spd="slow" p14:dur="1500" advTm="0">
         <p:random/>
       </p:transition>
     </mc:Choice>
-    <mc:Fallback xmlns="">
+    <mc:Fallback>
       <p:transition spd="slow" advTm="0">
         <p:random/>
       </p:transition>
@@ -8816,13 +8197,7 @@
       </p:grpSpPr>
       <p:sp>
         <p:nvSpPr>
-          <p:cNvPr id="4" name="标题 3">
-            <a:extLst>
-              <a:ext uri="{FF2B5EF4-FFF2-40B4-BE49-F238E27FC236}">
-                <a16:creationId xmlns:a16="http://schemas.microsoft.com/office/drawing/2014/main" id="{4CB46856-4475-47FF-AF79-669CE97F0AD9}"/>
-              </a:ext>
-            </a:extLst>
-          </p:cNvPr>
+          <p:cNvPr id="4" name="标题 3"/>
           <p:cNvSpPr>
             <a:spLocks noGrp="1"/>
           </p:cNvSpPr>
@@ -8840,22 +8215,17 @@
         </p:txBody>
       </p:sp>
     </p:spTree>
-    <p:extLst>
-      <p:ext uri="{BB962C8B-B14F-4D97-AF65-F5344CB8AC3E}">
-        <p14:creationId xmlns:p14="http://schemas.microsoft.com/office/powerpoint/2010/main" val="777945618"/>
-      </p:ext>
-    </p:extLst>
   </p:cSld>
   <p:clrMapOvr>
     <a:masterClrMapping/>
   </p:clrMapOvr>
-  <mc:AlternateContent xmlns:mc="http://schemas.openxmlformats.org/markup-compatibility/2006" xmlns:p14="http://schemas.microsoft.com/office/powerpoint/2010/main">
-    <mc:Choice Requires="p14">
+  <mc:AlternateContent xmlns:mc="http://schemas.openxmlformats.org/markup-compatibility/2006">
+    <mc:Choice xmlns:p14="http://schemas.microsoft.com/office/powerpoint/2010/main" Requires="p14">
       <p:transition spd="slow" p14:dur="1500" advTm="0">
         <p:random/>
       </p:transition>
     </mc:Choice>
-    <mc:Fallback xmlns="">
+    <mc:Fallback>
       <p:transition spd="slow" advTm="0">
         <p:random/>
       </p:transition>
@@ -8883,13 +8253,7 @@
       </p:grpSpPr>
       <p:sp>
         <p:nvSpPr>
-          <p:cNvPr id="2" name="标题 1">
-            <a:extLst>
-              <a:ext uri="{FF2B5EF4-FFF2-40B4-BE49-F238E27FC236}">
-                <a16:creationId xmlns:a16="http://schemas.microsoft.com/office/drawing/2014/main" id="{E07038C4-B947-4097-9E1F-E952A2FCEF86}"/>
-              </a:ext>
-            </a:extLst>
-          </p:cNvPr>
+          <p:cNvPr id="2" name="标题 1"/>
           <p:cNvSpPr>
             <a:spLocks noGrp="1"/>
           </p:cNvSpPr>
@@ -8907,22 +8271,17 @@
         </p:txBody>
       </p:sp>
     </p:spTree>
-    <p:extLst>
-      <p:ext uri="{BB962C8B-B14F-4D97-AF65-F5344CB8AC3E}">
-        <p14:creationId xmlns:p14="http://schemas.microsoft.com/office/powerpoint/2010/main" val="871396570"/>
-      </p:ext>
-    </p:extLst>
   </p:cSld>
   <p:clrMapOvr>
     <a:masterClrMapping/>
   </p:clrMapOvr>
-  <mc:AlternateContent xmlns:mc="http://schemas.openxmlformats.org/markup-compatibility/2006" xmlns:p14="http://schemas.microsoft.com/office/powerpoint/2010/main">
-    <mc:Choice Requires="p14">
+  <mc:AlternateContent xmlns:mc="http://schemas.openxmlformats.org/markup-compatibility/2006">
+    <mc:Choice xmlns:p14="http://schemas.microsoft.com/office/powerpoint/2010/main" Requires="p14">
       <p:transition spd="slow" p14:dur="1500" advTm="0">
         <p:random/>
       </p:transition>
     </mc:Choice>
-    <mc:Fallback xmlns="">
+    <mc:Fallback>
       <p:transition spd="slow" advTm="0">
         <p:random/>
       </p:transition>
@@ -8950,13 +8309,7 @@
       </p:grpSpPr>
       <p:sp>
         <p:nvSpPr>
-          <p:cNvPr id="5" name="矩形 4">
-            <a:extLst>
-              <a:ext uri="{FF2B5EF4-FFF2-40B4-BE49-F238E27FC236}">
-                <a16:creationId xmlns:a16="http://schemas.microsoft.com/office/drawing/2014/main" id="{CCB51F44-A755-42AC-B92B-6FC554FC4272}"/>
-              </a:ext>
-            </a:extLst>
-          </p:cNvPr>
+          <p:cNvPr id="5" name="矩形 4"/>
           <p:cNvSpPr/>
           <p:nvPr/>
         </p:nvSpPr>
@@ -8969,13 +8322,7 @@
             <a:avLst/>
           </a:prstGeom>
           <a:blipFill dpi="0" rotWithShape="1">
-            <a:blip r:embed="rId2" cstate="screen">
-              <a:extLst>
-                <a:ext uri="{28A0092B-C50C-407E-A947-70E740481C1C}">
-                  <a14:useLocalDpi xmlns:a14="http://schemas.microsoft.com/office/drawing/2010/main"/>
-                </a:ext>
-              </a:extLst>
-            </a:blip>
+            <a:blip r:embed="rId1" cstate="screen"/>
             <a:srcRect/>
             <a:stretch>
               <a:fillRect/>
@@ -9019,13 +8366,7 @@
       </p:sp>
       <p:sp>
         <p:nvSpPr>
-          <p:cNvPr id="6" name="矩形 5">
-            <a:extLst>
-              <a:ext uri="{FF2B5EF4-FFF2-40B4-BE49-F238E27FC236}">
-                <a16:creationId xmlns:a16="http://schemas.microsoft.com/office/drawing/2014/main" id="{7C9AB731-9BC6-46A8-A555-04CBD97264EF}"/>
-              </a:ext>
-            </a:extLst>
-          </p:cNvPr>
+          <p:cNvPr id="6" name="矩形 5"/>
           <p:cNvSpPr/>
           <p:nvPr/>
         </p:nvSpPr>
@@ -9069,9 +8410,6 @@
         </p:style>
         <p:txBody>
           <a:bodyPr rot="0" spcFirstLastPara="0" vertOverflow="overflow" horzOverflow="overflow" vert="horz" wrap="square" lIns="91440" tIns="45720" rIns="91440" bIns="45720" numCol="1" spcCol="0" rtlCol="0" fromWordArt="0" anchor="ctr" anchorCtr="0" forceAA="0" compatLnSpc="1">
-            <a:prstTxWarp prst="textNoShape">
-              <a:avLst/>
-            </a:prstTxWarp>
             <a:noAutofit/>
           </a:bodyPr>
           <a:lstStyle/>
@@ -9087,6 +8425,13 @@
               </a:rPr>
               <a:t>PART </a:t>
             </a:r>
+            <a:endParaRPr lang="en-US" altLang="zh-CN" sz="3200" b="1" dirty="0">
+              <a:solidFill>
+                <a:schemeClr val="bg1"/>
+              </a:solidFill>
+              <a:cs typeface="+mn-ea"/>
+              <a:sym typeface="+mn-lt"/>
+            </a:endParaRPr>
           </a:p>
           <a:p>
             <a:pPr algn="ctr"/>
@@ -9110,23 +8455,68 @@
           </a:p>
         </p:txBody>
       </p:sp>
+      <p:sp>
+        <p:nvSpPr>
+          <p:cNvPr id="7" name="文本框 6"/>
+          <p:cNvSpPr txBox="1"/>
+          <p:nvPr/>
+        </p:nvSpPr>
+        <p:spPr>
+          <a:xfrm>
+            <a:off x="4319635" y="4098922"/>
+            <a:ext cx="4184286" cy="922020"/>
+          </a:xfrm>
+          <a:prstGeom prst="rect">
+            <a:avLst/>
+          </a:prstGeom>
+          <a:noFill/>
+          <a:effectLst>
+            <a:outerShdw blurRad="177800" algn="ctr" rotWithShape="0">
+              <a:prstClr val="black">
+                <a:alpha val="40000"/>
+              </a:prstClr>
+            </a:outerShdw>
+          </a:effectLst>
+        </p:spPr>
+        <p:txBody>
+          <a:bodyPr wrap="square" rtlCol="0">
+            <a:spAutoFit/>
+          </a:bodyPr>
+          <a:lstStyle/>
+          <a:p>
+            <a:pPr algn="ctr"/>
+            <a:r>
+              <a:rPr lang="zh-CN" altLang="en-US" sz="5400" b="1" dirty="0">
+                <a:solidFill>
+                  <a:srgbClr val="0070C0"/>
+                </a:solidFill>
+                <a:cs typeface="+mn-ea"/>
+                <a:sym typeface="+mn-lt"/>
+              </a:rPr>
+              <a:t>怎么做</a:t>
+            </a:r>
+            <a:endParaRPr lang="zh-CN" altLang="en-US" sz="5400" b="1" dirty="0">
+              <a:solidFill>
+                <a:srgbClr val="0070C0"/>
+              </a:solidFill>
+              <a:cs typeface="+mn-ea"/>
+              <a:sym typeface="+mn-lt"/>
+            </a:endParaRPr>
+          </a:p>
+        </p:txBody>
+      </p:sp>
     </p:spTree>
-    <p:extLst>
-      <p:ext uri="{BB962C8B-B14F-4D97-AF65-F5344CB8AC3E}">
-        <p14:creationId xmlns:p14="http://schemas.microsoft.com/office/powerpoint/2010/main" val="865017072"/>
-      </p:ext>
-    </p:extLst>
   </p:cSld>
   <p:clrMapOvr>
     <a:masterClrMapping/>
   </p:clrMapOvr>
-  <mc:AlternateContent xmlns:mc="http://schemas.openxmlformats.org/markup-compatibility/2006" xmlns:p14="http://schemas.microsoft.com/office/powerpoint/2010/main">
-    <mc:Choice Requires="p14">
+  <mc:AlternateContent xmlns:mc="http://schemas.openxmlformats.org/markup-compatibility/2006">
+    <mc:Choice xmlns:p14="http://schemas.microsoft.com/office/powerpoint/2010/main" Requires="p14">
       <p:transition spd="slow" p14:dur="1500" advTm="0">
         <p:random/>
       </p:transition>
     </mc:Choice>
-    <mc:Fallback xmlns="">
+    <mc:Fallback>
       <p:transition spd="slow" advTm="0">
         <p:random/>
       </p:transition>
@@ -9395,12 +8785,12 @@
     </a:clrScheme>
     <a:fontScheme name="whnfxcok">
       <a:majorFont>
-        <a:latin typeface="Arial" panose="020F0302020204030204"/>
+        <a:latin typeface="Arial"/>
         <a:ea typeface="Microsoft YaHei"/>
         <a:cs typeface=""/>
       </a:majorFont>
       <a:minorFont>
-        <a:latin typeface="Arial" panose="020F0502020204030204"/>
+        <a:latin typeface="Arial"/>
         <a:ea typeface="Microsoft YaHei"/>
         <a:cs typeface=""/>
       </a:minorFont>
@@ -9543,8 +8933,6 @@
       </a:bgFillStyleLst>
     </a:fmtScheme>
   </a:themeElements>
-  <a:objectDefaults/>
-  <a:extraClrSchemeLst/>
   <a:extLst>
     <a:ext uri="{05A4C25C-085E-4340-85A3-A5531E510DB2}">
       <thm15:themeFamily xmlns:thm15="http://schemas.microsoft.com/office/thememl/2012/main" name="Office Theme" id="{62F939B6-93AF-4DB8-9C6B-D6C7DFDC589F}" vid="{4A3C46E8-61CC-4603-A589-7422A47A8E4A}"/>
@@ -9833,7 +9221,10 @@
       </a:bgFillStyleLst>
     </a:fmtScheme>
   </a:themeElements>
-  <a:objectDefaults/>
-  <a:extraClrSchemeLst/>
+  <a:extLst>
+    <a:ext uri="{05A4C25C-085E-4340-85A3-A5531E510DB2}">
+      <thm15:themeFamily xmlns:thm15="http://schemas.microsoft.com/office/thememl/2012/main" name="Office Theme" id="{62F939B6-93AF-4DB8-9C6B-D6C7DFDC589F}" vid="{4A3C46E8-61CC-4603-A589-7422A47A8E4A}"/>
+    </a:ext>
+  </a:extLst>
 </a:theme>
 </file>